--- a/02. Presentations/PresentationGroup_KP.pptx
+++ b/02. Presentations/PresentationGroup_KP.pptx
@@ -5031,16 +5031,17 @@
           <a:p>
             <a:r>
               <a:rPr lang="en-US" dirty="0"/>
-              <a:t>Neural Network for cost estimation: </a:t>
-            </a:r>
-            <a:r>
-              <a:rPr lang="en-US" dirty="0" err="1"/>
-              <a:t>Hyperparameter</a:t>
-            </a:r>
-            <a:r>
-              <a:rPr lang="en-US" dirty="0"/>
-              <a:t> tuning</a:t>
-            </a:r>
+              <a:t>Neural Network for </a:t>
+            </a:r>
+            <a:r>
+              <a:rPr lang="en-US" dirty="0" smtClean="0"/>
+              <a:t>estimated </a:t>
+            </a:r>
+            <a:r>
+              <a:rPr lang="en-US" smtClean="0"/>
+              <a:t>line benefits</a:t>
+            </a:r>
+            <a:endParaRPr lang="en-US" dirty="0"/>
           </a:p>
         </p:txBody>
       </p:sp>
@@ -20578,6 +20579,23 @@
 </file>
 
 <file path=customXml/item1.xml><?xml version="1.0" encoding="utf-8"?>
+<?mso-contentType ?>
+<FormTemplates xmlns="http://schemas.microsoft.com/sharepoint/v3/contenttype/forms">
+  <Display>DocumentLibraryForm</Display>
+  <Edit>DocumentLibraryForm</Edit>
+  <New>DocumentLibraryForm</New>
+</FormTemplates>
+</file>
+
+<file path=customXml/item2.xml><?xml version="1.0" encoding="utf-8"?>
+<p:properties xmlns:p="http://schemas.microsoft.com/office/2006/metadata/properties" xmlns:xsi="http://www.w3.org/2001/XMLSchema-instance" xmlns:pc="http://schemas.microsoft.com/office/infopath/2007/PartnerControls">
+  <documentManagement>
+    <_activity xmlns="fd689c1b-2561-4a46-ae04-6449f963ff76" xsi:nil="true"/>
+  </documentManagement>
+</p:properties>
+</file>
+
+<file path=customXml/item3.xml><?xml version="1.0" encoding="utf-8"?>
 <ct:contentTypeSchema xmlns:ct="http://schemas.microsoft.com/office/2006/metadata/contentType" xmlns:ma="http://schemas.microsoft.com/office/2006/metadata/properties/metaAttributes" ct:_="" ma:_="" ma:contentTypeName="Document" ma:contentTypeID="0x010100AF89B70DD9C08446A8443DF534F7285E" ma:contentTypeVersion="13" ma:contentTypeDescription="Create a new document." ma:contentTypeScope="" ma:versionID="ecc4e1277db930f2a9760bc5b361f436">
   <xsd:schema xmlns:xsd="http://www.w3.org/2001/XMLSchema" xmlns:xs="http://www.w3.org/2001/XMLSchema" xmlns:p="http://schemas.microsoft.com/office/2006/metadata/properties" xmlns:ns3="fd689c1b-2561-4a46-ae04-6449f963ff76" xmlns:ns4="04677cab-20cd-44d8-974c-14c664890eaa" targetNamespace="http://schemas.microsoft.com/office/2006/metadata/properties" ma:root="true" ma:fieldsID="494f09148d3a63d1912cdfb9c603bec2" ns3:_="" ns4:_="">
     <xsd:import namespace="fd689c1b-2561-4a46-ae04-6449f963ff76"/>
@@ -20798,24 +20816,32 @@
 </ct:contentTypeSchema>
 </file>
 
-<file path=customXml/item2.xml><?xml version="1.0" encoding="utf-8"?>
-<p:properties xmlns:p="http://schemas.microsoft.com/office/2006/metadata/properties" xmlns:xsi="http://www.w3.org/2001/XMLSchema-instance" xmlns:pc="http://schemas.microsoft.com/office/infopath/2007/PartnerControls">
-  <documentManagement>
-    <_activity xmlns="fd689c1b-2561-4a46-ae04-6449f963ff76" xsi:nil="true"/>
-  </documentManagement>
-</p:properties>
+<file path=customXml/itemProps1.xml><?xml version="1.0" encoding="utf-8"?>
+<ds:datastoreItem xmlns:ds="http://schemas.openxmlformats.org/officeDocument/2006/customXml" ds:itemID="{754D1958-5725-488F-A4D5-DA9E8FDB5252}">
+  <ds:schemaRefs>
+    <ds:schemaRef ds:uri="http://schemas.microsoft.com/sharepoint/v3/contenttype/forms"/>
+  </ds:schemaRefs>
+</ds:datastoreItem>
 </file>
 
-<file path=customXml/item3.xml><?xml version="1.0" encoding="utf-8"?>
-<?mso-contentType ?>
-<FormTemplates xmlns="http://schemas.microsoft.com/sharepoint/v3/contenttype/forms">
-  <Display>DocumentLibraryForm</Display>
-  <Edit>DocumentLibraryForm</Edit>
-  <New>DocumentLibraryForm</New>
-</FormTemplates>
+<file path=customXml/itemProps2.xml><?xml version="1.0" encoding="utf-8"?>
+<ds:datastoreItem xmlns:ds="http://schemas.openxmlformats.org/officeDocument/2006/customXml" ds:itemID="{6D3CDF3A-BF48-4B5B-B3E9-7B37F916BE05}">
+  <ds:schemaRefs>
+    <ds:schemaRef ds:uri="http://purl.org/dc/dcmitype/"/>
+    <ds:schemaRef ds:uri="http://schemas.microsoft.com/office/infopath/2007/PartnerControls"/>
+    <ds:schemaRef ds:uri="http://purl.org/dc/elements/1.1/"/>
+    <ds:schemaRef ds:uri="http://schemas.microsoft.com/office/2006/metadata/properties"/>
+    <ds:schemaRef ds:uri="04677cab-20cd-44d8-974c-14c664890eaa"/>
+    <ds:schemaRef ds:uri="fd689c1b-2561-4a46-ae04-6449f963ff76"/>
+    <ds:schemaRef ds:uri="http://purl.org/dc/terms/"/>
+    <ds:schemaRef ds:uri="http://schemas.microsoft.com/office/2006/documentManagement/types"/>
+    <ds:schemaRef ds:uri="http://schemas.openxmlformats.org/package/2006/metadata/core-properties"/>
+    <ds:schemaRef ds:uri="http://www.w3.org/XML/1998/namespace"/>
+  </ds:schemaRefs>
+</ds:datastoreItem>
 </file>
 
-<file path=customXml/itemProps1.xml><?xml version="1.0" encoding="utf-8"?>
+<file path=customXml/itemProps3.xml><?xml version="1.0" encoding="utf-8"?>
 <ds:datastoreItem xmlns:ds="http://schemas.openxmlformats.org/officeDocument/2006/customXml" ds:itemID="{038AB51F-98E0-4779-8180-600DAF31B4BF}">
   <ds:schemaRefs>
     <ds:schemaRef ds:uri="http://schemas.microsoft.com/office/2006/metadata/contentType"/>
@@ -20832,29 +20858,4 @@
     <ds:schemaRef ds:uri="http://schemas.microsoft.com/internal/obd"/>
   </ds:schemaRefs>
 </ds:datastoreItem>
-</file>
-
-<file path=customXml/itemProps2.xml><?xml version="1.0" encoding="utf-8"?>
-<ds:datastoreItem xmlns:ds="http://schemas.openxmlformats.org/officeDocument/2006/customXml" ds:itemID="{6D3CDF3A-BF48-4B5B-B3E9-7B37F916BE05}">
-  <ds:schemaRefs>
-    <ds:schemaRef ds:uri="http://purl.org/dc/terms/"/>
-    <ds:schemaRef ds:uri="http://schemas.microsoft.com/office/2006/documentManagement/types"/>
-    <ds:schemaRef ds:uri="http://purl.org/dc/elements/1.1/"/>
-    <ds:schemaRef ds:uri="04677cab-20cd-44d8-974c-14c664890eaa"/>
-    <ds:schemaRef ds:uri="http://schemas.microsoft.com/office/infopath/2007/PartnerControls"/>
-    <ds:schemaRef ds:uri="fd689c1b-2561-4a46-ae04-6449f963ff76"/>
-    <ds:schemaRef ds:uri="http://schemas.openxmlformats.org/package/2006/metadata/core-properties"/>
-    <ds:schemaRef ds:uri="http://schemas.microsoft.com/office/2006/metadata/properties"/>
-    <ds:schemaRef ds:uri="http://www.w3.org/XML/1998/namespace"/>
-    <ds:schemaRef ds:uri="http://purl.org/dc/dcmitype/"/>
-  </ds:schemaRefs>
-</ds:datastoreItem>
-</file>
-
-<file path=customXml/itemProps3.xml><?xml version="1.0" encoding="utf-8"?>
-<ds:datastoreItem xmlns:ds="http://schemas.openxmlformats.org/officeDocument/2006/customXml" ds:itemID="{754D1958-5725-488F-A4D5-DA9E8FDB5252}">
-  <ds:schemaRefs>
-    <ds:schemaRef ds:uri="http://schemas.microsoft.com/sharepoint/v3/contenttype/forms"/>
-  </ds:schemaRefs>
-</ds:datastoreItem>
 </file>
--- a/02. Presentations/PresentationGroup_KP.pptx
+++ b/02. Presentations/PresentationGroup_KP.pptx
@@ -6,10 +6,10 @@
     <p:sldMasterId id="2147483694" r:id="rId5"/>
   </p:sldMasterIdLst>
   <p:notesMasterIdLst>
-    <p:notesMasterId r:id="rId15"/>
+    <p:notesMasterId r:id="rId16"/>
   </p:notesMasterIdLst>
   <p:handoutMasterIdLst>
-    <p:handoutMasterId r:id="rId16"/>
+    <p:handoutMasterId r:id="rId17"/>
   </p:handoutMasterIdLst>
   <p:sldIdLst>
     <p:sldId id="269" r:id="rId6"/>
@@ -21,6 +21,7 @@
     <p:sldId id="275" r:id="rId12"/>
     <p:sldId id="276" r:id="rId13"/>
     <p:sldId id="272" r:id="rId14"/>
+    <p:sldId id="281" r:id="rId15"/>
   </p:sldIdLst>
   <p:sldSz cx="12192000" cy="6858000"/>
   <p:notesSz cx="6858000" cy="9144000"/>
@@ -5049,6 +5050,268 @@
     <p:extLst>
       <p:ext uri="{BB962C8B-B14F-4D97-AF65-F5344CB8AC3E}">
         <p14:creationId xmlns:p14="http://schemas.microsoft.com/office/powerpoint/2010/main" val="939354871"/>
+      </p:ext>
+    </p:extLst>
+  </p:cSld>
+  <p:clrMapOvr>
+    <a:masterClrMapping/>
+  </p:clrMapOvr>
+</p:sld>
+</file>
+
+<file path=ppt/slides/slide10.xml><?xml version="1.0" encoding="utf-8"?>
+<p:sld xmlns:a="http://schemas.openxmlformats.org/drawingml/2006/main" xmlns:r="http://schemas.openxmlformats.org/officeDocument/2006/relationships" xmlns:p="http://schemas.openxmlformats.org/presentationml/2006/main">
+  <p:cSld>
+    <p:spTree>
+      <p:nvGrpSpPr>
+        <p:cNvPr id="1" name=""/>
+        <p:cNvGrpSpPr/>
+        <p:nvPr/>
+      </p:nvGrpSpPr>
+      <p:grpSpPr>
+        <a:xfrm>
+          <a:off x="0" y="0"/>
+          <a:ext cx="0" cy="0"/>
+          <a:chOff x="0" y="0"/>
+          <a:chExt cx="0" cy="0"/>
+        </a:xfrm>
+      </p:grpSpPr>
+      <p:sp>
+        <p:nvSpPr>
+          <p:cNvPr id="2" name="Content Placeholder 1"/>
+          <p:cNvSpPr>
+            <a:spLocks noGrp="1"/>
+          </p:cNvSpPr>
+          <p:nvPr>
+            <p:ph idx="1"/>
+          </p:nvPr>
+        </p:nvSpPr>
+        <p:spPr/>
+        <p:txBody>
+          <a:bodyPr>
+            <a:normAutofit fontScale="92500" lnSpcReduction="10000"/>
+          </a:bodyPr>
+          <a:lstStyle/>
+          <a:p>
+            <a:r>
+              <a:rPr lang="en-US" dirty="0" smtClean="0"/>
+              <a:t>Goal </a:t>
+            </a:r>
+          </a:p>
+          <a:p>
+            <a:pPr lvl="1"/>
+            <a:r>
+              <a:rPr lang="en-US" dirty="0" smtClean="0"/>
+              <a:t>Estimate hourly operational cost </a:t>
+            </a:r>
+            <a:r>
+              <a:rPr lang="en-US" dirty="0" smtClean="0">
+                <a:sym typeface="Wingdings" panose="05000000000000000000" pitchFamily="2" charset="2"/>
+              </a:rPr>
+              <a:t>of the OPF problem</a:t>
+            </a:r>
+          </a:p>
+          <a:p>
+            <a:pPr lvl="1"/>
+            <a:r>
+              <a:rPr lang="en-US" dirty="0" smtClean="0">
+                <a:sym typeface="Wingdings" panose="05000000000000000000" pitchFamily="2" charset="2"/>
+              </a:rPr>
+              <a:t>Sensitive to time-series changes </a:t>
+            </a:r>
+          </a:p>
+          <a:p>
+            <a:pPr lvl="1"/>
+            <a:r>
+              <a:rPr lang="en-US" dirty="0" smtClean="0">
+                <a:sym typeface="Wingdings" panose="05000000000000000000" pitchFamily="2" charset="2"/>
+              </a:rPr>
+              <a:t>Sensitive to physical network changes </a:t>
+            </a:r>
+          </a:p>
+          <a:p>
+            <a:r>
+              <a:rPr lang="en-US" dirty="0" smtClean="0">
+                <a:sym typeface="Wingdings" panose="05000000000000000000" pitchFamily="2" charset="2"/>
+              </a:rPr>
+              <a:t>Approach </a:t>
+            </a:r>
+          </a:p>
+          <a:p>
+            <a:pPr lvl="1"/>
+            <a:r>
+              <a:rPr lang="en-US" dirty="0" smtClean="0">
+                <a:sym typeface="Wingdings" panose="05000000000000000000" pitchFamily="2" charset="2"/>
+              </a:rPr>
+              <a:t>Neural network works on hourly basis  Estimates one cost value</a:t>
+            </a:r>
+          </a:p>
+          <a:p>
+            <a:pPr lvl="1"/>
+            <a:r>
+              <a:rPr lang="en-US" dirty="0" smtClean="0">
+                <a:sym typeface="Wingdings" panose="05000000000000000000" pitchFamily="2" charset="2"/>
+              </a:rPr>
+              <a:t>Single output (cost)</a:t>
+            </a:r>
+          </a:p>
+          <a:p>
+            <a:pPr lvl="1"/>
+            <a:r>
+              <a:rPr lang="en-US" dirty="0" smtClean="0">
+                <a:sym typeface="Wingdings" panose="05000000000000000000" pitchFamily="2" charset="2"/>
+              </a:rPr>
+              <a:t>Input contains</a:t>
+            </a:r>
+          </a:p>
+          <a:p>
+            <a:pPr lvl="2"/>
+            <a:r>
+              <a:rPr lang="en-US" dirty="0" smtClean="0">
+                <a:sym typeface="Wingdings" panose="05000000000000000000" pitchFamily="2" charset="2"/>
+              </a:rPr>
+              <a:t>Demand (per node)</a:t>
+            </a:r>
+          </a:p>
+          <a:p>
+            <a:pPr lvl="2"/>
+            <a:r>
+              <a:rPr lang="en-US" dirty="0" smtClean="0">
+                <a:sym typeface="Wingdings" panose="05000000000000000000" pitchFamily="2" charset="2"/>
+              </a:rPr>
+              <a:t>Renewable availability factors (per technology per location)</a:t>
+            </a:r>
+          </a:p>
+          <a:p>
+            <a:pPr lvl="2"/>
+            <a:r>
+              <a:rPr lang="en-US" dirty="0" smtClean="0">
+                <a:sym typeface="Wingdings" panose="05000000000000000000" pitchFamily="2" charset="2"/>
+              </a:rPr>
+              <a:t>Admittance matrix</a:t>
+            </a:r>
+          </a:p>
+          <a:p>
+            <a:pPr marL="457200" lvl="1" indent="0">
+              <a:buNone/>
+            </a:pPr>
+            <a:r>
+              <a:rPr lang="en-US" dirty="0" smtClean="0">
+                <a:sym typeface="Wingdings" panose="05000000000000000000" pitchFamily="2" charset="2"/>
+              </a:rPr>
+              <a:t> Size of input vector quickly grows with number </a:t>
+            </a:r>
+            <a:r>
+              <a:rPr lang="en-US" smtClean="0">
+                <a:sym typeface="Wingdings" panose="05000000000000000000" pitchFamily="2" charset="2"/>
+              </a:rPr>
+              <a:t>of buses</a:t>
+            </a:r>
+            <a:endParaRPr lang="en-US" dirty="0" smtClean="0">
+              <a:sym typeface="Wingdings" panose="05000000000000000000" pitchFamily="2" charset="2"/>
+            </a:endParaRPr>
+          </a:p>
+          <a:p>
+            <a:pPr lvl="2"/>
+            <a:endParaRPr lang="en-US" dirty="0" smtClean="0">
+              <a:sym typeface="Wingdings" panose="05000000000000000000" pitchFamily="2" charset="2"/>
+            </a:endParaRPr>
+          </a:p>
+          <a:p>
+            <a:pPr lvl="2"/>
+            <a:endParaRPr lang="en-US" dirty="0" smtClean="0">
+              <a:sym typeface="Wingdings" panose="05000000000000000000" pitchFamily="2" charset="2"/>
+            </a:endParaRPr>
+          </a:p>
+          <a:p>
+            <a:pPr lvl="1"/>
+            <a:endParaRPr lang="en-US" dirty="0" smtClean="0">
+              <a:sym typeface="Wingdings" panose="05000000000000000000" pitchFamily="2" charset="2"/>
+            </a:endParaRPr>
+          </a:p>
+          <a:p>
+            <a:pPr lvl="1"/>
+            <a:endParaRPr lang="en-US" dirty="0" smtClean="0"/>
+          </a:p>
+          <a:p>
+            <a:pPr lvl="1"/>
+            <a:endParaRPr lang="en-US" dirty="0"/>
+          </a:p>
+        </p:txBody>
+      </p:sp>
+      <p:sp>
+        <p:nvSpPr>
+          <p:cNvPr id="3" name="Footer Placeholder 2"/>
+          <p:cNvSpPr>
+            <a:spLocks noGrp="1"/>
+          </p:cNvSpPr>
+          <p:nvPr>
+            <p:ph type="ftr" sz="quarter" idx="11"/>
+          </p:nvPr>
+        </p:nvSpPr>
+        <p:spPr/>
+        <p:txBody>
+          <a:bodyPr/>
+          <a:lstStyle/>
+          <a:p>
+            <a:r>
+              <a:rPr lang="nl-NL" smtClean="0"/>
+              <a:t>Ingenieurswetenschappen, Werktuigkunde, TME</a:t>
+            </a:r>
+            <a:endParaRPr lang="nl-NL"/>
+          </a:p>
+        </p:txBody>
+      </p:sp>
+      <p:sp>
+        <p:nvSpPr>
+          <p:cNvPr id="4" name="Slide Number Placeholder 3"/>
+          <p:cNvSpPr>
+            <a:spLocks noGrp="1"/>
+          </p:cNvSpPr>
+          <p:nvPr>
+            <p:ph type="sldNum" sz="quarter" idx="12"/>
+          </p:nvPr>
+        </p:nvSpPr>
+        <p:spPr/>
+        <p:txBody>
+          <a:bodyPr/>
+          <a:lstStyle/>
+          <a:p>
+            <a:fld id="{0A297500-7527-634B-90F4-69D0994C32B4}" type="slidenum">
+              <a:rPr lang="nl-NL" smtClean="0"/>
+              <a:t>10</a:t>
+            </a:fld>
+            <a:endParaRPr lang="nl-NL"/>
+          </a:p>
+        </p:txBody>
+      </p:sp>
+      <p:sp>
+        <p:nvSpPr>
+          <p:cNvPr id="5" name="Title 4"/>
+          <p:cNvSpPr>
+            <a:spLocks noGrp="1"/>
+          </p:cNvSpPr>
+          <p:nvPr>
+            <p:ph type="title"/>
+          </p:nvPr>
+        </p:nvSpPr>
+        <p:spPr/>
+        <p:txBody>
+          <a:bodyPr/>
+          <a:lstStyle/>
+          <a:p>
+            <a:r>
+              <a:rPr lang="en-US" dirty="0" smtClean="0"/>
+              <a:t>Neural Network for cost estimation</a:t>
+            </a:r>
+            <a:endParaRPr lang="en-US" dirty="0"/>
+          </a:p>
+        </p:txBody>
+      </p:sp>
+    </p:spTree>
+    <p:extLst>
+      <p:ext uri="{BB962C8B-B14F-4D97-AF65-F5344CB8AC3E}">
+        <p14:creationId xmlns:p14="http://schemas.microsoft.com/office/powerpoint/2010/main" val="2844186355"/>
       </p:ext>
     </p:extLst>
   </p:cSld>
@@ -20579,23 +20842,6 @@
 </file>
 
 <file path=customXml/item1.xml><?xml version="1.0" encoding="utf-8"?>
-<?mso-contentType ?>
-<FormTemplates xmlns="http://schemas.microsoft.com/sharepoint/v3/contenttype/forms">
-  <Display>DocumentLibraryForm</Display>
-  <Edit>DocumentLibraryForm</Edit>
-  <New>DocumentLibraryForm</New>
-</FormTemplates>
-</file>
-
-<file path=customXml/item2.xml><?xml version="1.0" encoding="utf-8"?>
-<p:properties xmlns:p="http://schemas.microsoft.com/office/2006/metadata/properties" xmlns:xsi="http://www.w3.org/2001/XMLSchema-instance" xmlns:pc="http://schemas.microsoft.com/office/infopath/2007/PartnerControls">
-  <documentManagement>
-    <_activity xmlns="fd689c1b-2561-4a46-ae04-6449f963ff76" xsi:nil="true"/>
-  </documentManagement>
-</p:properties>
-</file>
-
-<file path=customXml/item3.xml><?xml version="1.0" encoding="utf-8"?>
 <ct:contentTypeSchema xmlns:ct="http://schemas.microsoft.com/office/2006/metadata/contentType" xmlns:ma="http://schemas.microsoft.com/office/2006/metadata/properties/metaAttributes" ct:_="" ma:_="" ma:contentTypeName="Document" ma:contentTypeID="0x010100AF89B70DD9C08446A8443DF534F7285E" ma:contentTypeVersion="13" ma:contentTypeDescription="Create a new document." ma:contentTypeScope="" ma:versionID="ecc4e1277db930f2a9760bc5b361f436">
   <xsd:schema xmlns:xsd="http://www.w3.org/2001/XMLSchema" xmlns:xs="http://www.w3.org/2001/XMLSchema" xmlns:p="http://schemas.microsoft.com/office/2006/metadata/properties" xmlns:ns3="fd689c1b-2561-4a46-ae04-6449f963ff76" xmlns:ns4="04677cab-20cd-44d8-974c-14c664890eaa" targetNamespace="http://schemas.microsoft.com/office/2006/metadata/properties" ma:root="true" ma:fieldsID="494f09148d3a63d1912cdfb9c603bec2" ns3:_="" ns4:_="">
     <xsd:import namespace="fd689c1b-2561-4a46-ae04-6449f963ff76"/>
@@ -20816,32 +21062,24 @@
 </ct:contentTypeSchema>
 </file>
 
-<file path=customXml/itemProps1.xml><?xml version="1.0" encoding="utf-8"?>
-<ds:datastoreItem xmlns:ds="http://schemas.openxmlformats.org/officeDocument/2006/customXml" ds:itemID="{754D1958-5725-488F-A4D5-DA9E8FDB5252}">
-  <ds:schemaRefs>
-    <ds:schemaRef ds:uri="http://schemas.microsoft.com/sharepoint/v3/contenttype/forms"/>
-  </ds:schemaRefs>
-</ds:datastoreItem>
+<file path=customXml/item2.xml><?xml version="1.0" encoding="utf-8"?>
+<p:properties xmlns:p="http://schemas.microsoft.com/office/2006/metadata/properties" xmlns:xsi="http://www.w3.org/2001/XMLSchema-instance" xmlns:pc="http://schemas.microsoft.com/office/infopath/2007/PartnerControls">
+  <documentManagement>
+    <_activity xmlns="fd689c1b-2561-4a46-ae04-6449f963ff76" xsi:nil="true"/>
+  </documentManagement>
+</p:properties>
 </file>
 
-<file path=customXml/itemProps2.xml><?xml version="1.0" encoding="utf-8"?>
-<ds:datastoreItem xmlns:ds="http://schemas.openxmlformats.org/officeDocument/2006/customXml" ds:itemID="{6D3CDF3A-BF48-4B5B-B3E9-7B37F916BE05}">
-  <ds:schemaRefs>
-    <ds:schemaRef ds:uri="http://purl.org/dc/dcmitype/"/>
-    <ds:schemaRef ds:uri="http://schemas.microsoft.com/office/infopath/2007/PartnerControls"/>
-    <ds:schemaRef ds:uri="http://purl.org/dc/elements/1.1/"/>
-    <ds:schemaRef ds:uri="http://schemas.microsoft.com/office/2006/metadata/properties"/>
-    <ds:schemaRef ds:uri="04677cab-20cd-44d8-974c-14c664890eaa"/>
-    <ds:schemaRef ds:uri="fd689c1b-2561-4a46-ae04-6449f963ff76"/>
-    <ds:schemaRef ds:uri="http://purl.org/dc/terms/"/>
-    <ds:schemaRef ds:uri="http://schemas.microsoft.com/office/2006/documentManagement/types"/>
-    <ds:schemaRef ds:uri="http://schemas.openxmlformats.org/package/2006/metadata/core-properties"/>
-    <ds:schemaRef ds:uri="http://www.w3.org/XML/1998/namespace"/>
-  </ds:schemaRefs>
-</ds:datastoreItem>
+<file path=customXml/item3.xml><?xml version="1.0" encoding="utf-8"?>
+<?mso-contentType ?>
+<FormTemplates xmlns="http://schemas.microsoft.com/sharepoint/v3/contenttype/forms">
+  <Display>DocumentLibraryForm</Display>
+  <Edit>DocumentLibraryForm</Edit>
+  <New>DocumentLibraryForm</New>
+</FormTemplates>
 </file>
 
-<file path=customXml/itemProps3.xml><?xml version="1.0" encoding="utf-8"?>
+<file path=customXml/itemProps1.xml><?xml version="1.0" encoding="utf-8"?>
 <ds:datastoreItem xmlns:ds="http://schemas.openxmlformats.org/officeDocument/2006/customXml" ds:itemID="{038AB51F-98E0-4779-8180-600DAF31B4BF}">
   <ds:schemaRefs>
     <ds:schemaRef ds:uri="http://schemas.microsoft.com/office/2006/metadata/contentType"/>
@@ -20858,4 +21096,29 @@
     <ds:schemaRef ds:uri="http://schemas.microsoft.com/internal/obd"/>
   </ds:schemaRefs>
 </ds:datastoreItem>
+</file>
+
+<file path=customXml/itemProps2.xml><?xml version="1.0" encoding="utf-8"?>
+<ds:datastoreItem xmlns:ds="http://schemas.openxmlformats.org/officeDocument/2006/customXml" ds:itemID="{6D3CDF3A-BF48-4B5B-B3E9-7B37F916BE05}">
+  <ds:schemaRefs>
+    <ds:schemaRef ds:uri="http://purl.org/dc/terms/"/>
+    <ds:schemaRef ds:uri="http://schemas.openxmlformats.org/package/2006/metadata/core-properties"/>
+    <ds:schemaRef ds:uri="http://purl.org/dc/dcmitype/"/>
+    <ds:schemaRef ds:uri="http://schemas.microsoft.com/office/infopath/2007/PartnerControls"/>
+    <ds:schemaRef ds:uri="http://purl.org/dc/elements/1.1/"/>
+    <ds:schemaRef ds:uri="http://schemas.microsoft.com/office/2006/metadata/properties"/>
+    <ds:schemaRef ds:uri="04677cab-20cd-44d8-974c-14c664890eaa"/>
+    <ds:schemaRef ds:uri="http://schemas.microsoft.com/office/2006/documentManagement/types"/>
+    <ds:schemaRef ds:uri="fd689c1b-2561-4a46-ae04-6449f963ff76"/>
+    <ds:schemaRef ds:uri="http://www.w3.org/XML/1998/namespace"/>
+  </ds:schemaRefs>
+</ds:datastoreItem>
+</file>
+
+<file path=customXml/itemProps3.xml><?xml version="1.0" encoding="utf-8"?>
+<ds:datastoreItem xmlns:ds="http://schemas.openxmlformats.org/officeDocument/2006/customXml" ds:itemID="{754D1958-5725-488F-A4D5-DA9E8FDB5252}">
+  <ds:schemaRefs>
+    <ds:schemaRef ds:uri="http://schemas.microsoft.com/sharepoint/v3/contenttype/forms"/>
+  </ds:schemaRefs>
+</ds:datastoreItem>
 </file>
--- a/02. Presentations/PresentationGroup_KP.pptx
+++ b/02. Presentations/PresentationGroup_KP.pptx
@@ -20,8 +20,8 @@
     <p:sldId id="280" r:id="rId11"/>
     <p:sldId id="275" r:id="rId12"/>
     <p:sldId id="276" r:id="rId13"/>
-    <p:sldId id="272" r:id="rId14"/>
-    <p:sldId id="281" r:id="rId15"/>
+    <p:sldId id="281" r:id="rId14"/>
+    <p:sldId id="272" r:id="rId15"/>
   </p:sldIdLst>
   <p:sldSz cx="12192000" cy="6858000"/>
   <p:notesSz cx="6858000" cy="9144000"/>
@@ -5078,170 +5078,7 @@
       </p:grpSpPr>
       <p:sp>
         <p:nvSpPr>
-          <p:cNvPr id="2" name="Content Placeholder 1"/>
-          <p:cNvSpPr>
-            <a:spLocks noGrp="1"/>
-          </p:cNvSpPr>
-          <p:nvPr>
-            <p:ph idx="1"/>
-          </p:nvPr>
-        </p:nvSpPr>
-        <p:spPr/>
-        <p:txBody>
-          <a:bodyPr>
-            <a:normAutofit fontScale="92500" lnSpcReduction="10000"/>
-          </a:bodyPr>
-          <a:lstStyle/>
-          <a:p>
-            <a:r>
-              <a:rPr lang="en-US" dirty="0" smtClean="0"/>
-              <a:t>Goal </a:t>
-            </a:r>
-          </a:p>
-          <a:p>
-            <a:pPr lvl="1"/>
-            <a:r>
-              <a:rPr lang="en-US" dirty="0" smtClean="0"/>
-              <a:t>Estimate hourly operational cost </a:t>
-            </a:r>
-            <a:r>
-              <a:rPr lang="en-US" dirty="0" smtClean="0">
-                <a:sym typeface="Wingdings" panose="05000000000000000000" pitchFamily="2" charset="2"/>
-              </a:rPr>
-              <a:t>of the OPF problem</a:t>
-            </a:r>
-          </a:p>
-          <a:p>
-            <a:pPr lvl="1"/>
-            <a:r>
-              <a:rPr lang="en-US" dirty="0" smtClean="0">
-                <a:sym typeface="Wingdings" panose="05000000000000000000" pitchFamily="2" charset="2"/>
-              </a:rPr>
-              <a:t>Sensitive to time-series changes </a:t>
-            </a:r>
-          </a:p>
-          <a:p>
-            <a:pPr lvl="1"/>
-            <a:r>
-              <a:rPr lang="en-US" dirty="0" smtClean="0">
-                <a:sym typeface="Wingdings" panose="05000000000000000000" pitchFamily="2" charset="2"/>
-              </a:rPr>
-              <a:t>Sensitive to physical network changes </a:t>
-            </a:r>
-          </a:p>
-          <a:p>
-            <a:r>
-              <a:rPr lang="en-US" dirty="0" smtClean="0">
-                <a:sym typeface="Wingdings" panose="05000000000000000000" pitchFamily="2" charset="2"/>
-              </a:rPr>
-              <a:t>Approach </a:t>
-            </a:r>
-          </a:p>
-          <a:p>
-            <a:pPr lvl="1"/>
-            <a:r>
-              <a:rPr lang="en-US" dirty="0" smtClean="0">
-                <a:sym typeface="Wingdings" panose="05000000000000000000" pitchFamily="2" charset="2"/>
-              </a:rPr>
-              <a:t>Neural network works on hourly basis  Estimates one cost value</a:t>
-            </a:r>
-          </a:p>
-          <a:p>
-            <a:pPr lvl="1"/>
-            <a:r>
-              <a:rPr lang="en-US" dirty="0" smtClean="0">
-                <a:sym typeface="Wingdings" panose="05000000000000000000" pitchFamily="2" charset="2"/>
-              </a:rPr>
-              <a:t>Single output (cost)</a:t>
-            </a:r>
-          </a:p>
-          <a:p>
-            <a:pPr lvl="1"/>
-            <a:r>
-              <a:rPr lang="en-US" dirty="0" smtClean="0">
-                <a:sym typeface="Wingdings" panose="05000000000000000000" pitchFamily="2" charset="2"/>
-              </a:rPr>
-              <a:t>Input contains</a:t>
-            </a:r>
-          </a:p>
-          <a:p>
-            <a:pPr lvl="2"/>
-            <a:r>
-              <a:rPr lang="en-US" dirty="0" smtClean="0">
-                <a:sym typeface="Wingdings" panose="05000000000000000000" pitchFamily="2" charset="2"/>
-              </a:rPr>
-              <a:t>Demand (per node)</a:t>
-            </a:r>
-          </a:p>
-          <a:p>
-            <a:pPr lvl="2"/>
-            <a:r>
-              <a:rPr lang="en-US" dirty="0" smtClean="0">
-                <a:sym typeface="Wingdings" panose="05000000000000000000" pitchFamily="2" charset="2"/>
-              </a:rPr>
-              <a:t>Renewable availability factors (per technology per location)</a:t>
-            </a:r>
-          </a:p>
-          <a:p>
-            <a:pPr lvl="2"/>
-            <a:r>
-              <a:rPr lang="en-US" dirty="0" smtClean="0">
-                <a:sym typeface="Wingdings" panose="05000000000000000000" pitchFamily="2" charset="2"/>
-              </a:rPr>
-              <a:t>Admittance matrix</a:t>
-            </a:r>
-          </a:p>
-          <a:p>
-            <a:pPr marL="457200" lvl="1" indent="0">
-              <a:buNone/>
-            </a:pPr>
-            <a:r>
-              <a:rPr lang="en-US" dirty="0" smtClean="0">
-                <a:sym typeface="Wingdings" panose="05000000000000000000" pitchFamily="2" charset="2"/>
-              </a:rPr>
-              <a:t> Size of input vector quickly grows with number </a:t>
-            </a:r>
-            <a:r>
-              <a:rPr lang="en-US" smtClean="0">
-                <a:sym typeface="Wingdings" panose="05000000000000000000" pitchFamily="2" charset="2"/>
-              </a:rPr>
-              <a:t>of buses</a:t>
-            </a:r>
-            <a:endParaRPr lang="en-US" dirty="0" smtClean="0">
-              <a:sym typeface="Wingdings" panose="05000000000000000000" pitchFamily="2" charset="2"/>
-            </a:endParaRPr>
-          </a:p>
-          <a:p>
-            <a:pPr lvl="2"/>
-            <a:endParaRPr lang="en-US" dirty="0" smtClean="0">
-              <a:sym typeface="Wingdings" panose="05000000000000000000" pitchFamily="2" charset="2"/>
-            </a:endParaRPr>
-          </a:p>
-          <a:p>
-            <a:pPr lvl="2"/>
-            <a:endParaRPr lang="en-US" dirty="0" smtClean="0">
-              <a:sym typeface="Wingdings" panose="05000000000000000000" pitchFamily="2" charset="2"/>
-            </a:endParaRPr>
-          </a:p>
-          <a:p>
-            <a:pPr lvl="1"/>
-            <a:endParaRPr lang="en-US" dirty="0" smtClean="0">
-              <a:sym typeface="Wingdings" panose="05000000000000000000" pitchFamily="2" charset="2"/>
-            </a:endParaRPr>
-          </a:p>
-          <a:p>
-            <a:pPr lvl="1"/>
-            <a:endParaRPr lang="en-US" dirty="0" smtClean="0"/>
-          </a:p>
-          <a:p>
-            <a:pPr lvl="1"/>
-            <a:endParaRPr lang="en-US" dirty="0"/>
-          </a:p>
-        </p:txBody>
-      </p:sp>
-      <p:sp>
-        <p:nvSpPr>
-          <p:cNvPr id="3" name="Footer Placeholder 2"/>
+          <p:cNvPr id="2" name="Footer Placeholder 1"/>
           <p:cNvSpPr>
             <a:spLocks noGrp="1"/>
           </p:cNvSpPr>
@@ -5255,16 +5092,15 @@
           <a:lstStyle/>
           <a:p>
             <a:r>
-              <a:rPr lang="nl-NL" smtClean="0"/>
+              <a:rPr lang="nl-NL"/>
               <a:t>Ingenieurswetenschappen, Werktuigkunde, TME</a:t>
             </a:r>
-            <a:endParaRPr lang="nl-NL"/>
           </a:p>
         </p:txBody>
       </p:sp>
       <p:sp>
         <p:nvSpPr>
-          <p:cNvPr id="4" name="Slide Number Placeholder 3"/>
+          <p:cNvPr id="3" name="Slide Number Placeholder 2"/>
           <p:cNvSpPr>
             <a:spLocks noGrp="1"/>
           </p:cNvSpPr>
@@ -5285,33 +5121,40 @@
           </a:p>
         </p:txBody>
       </p:sp>
-      <p:sp>
-        <p:nvSpPr>
-          <p:cNvPr id="5" name="Title 4"/>
-          <p:cNvSpPr>
-            <a:spLocks noGrp="1"/>
-          </p:cNvSpPr>
-          <p:nvPr>
-            <p:ph type="title"/>
-          </p:nvPr>
-        </p:nvSpPr>
-        <p:spPr/>
-        <p:txBody>
-          <a:bodyPr/>
-          <a:lstStyle/>
-          <a:p>
-            <a:r>
-              <a:rPr lang="en-US" dirty="0" smtClean="0"/>
-              <a:t>Neural Network for cost estimation</a:t>
-            </a:r>
-            <a:endParaRPr lang="en-US" dirty="0"/>
-          </a:p>
-        </p:txBody>
-      </p:sp>
+      <p:pic>
+        <p:nvPicPr>
+          <p:cNvPr id="4" name="Picture 3"/>
+          <p:cNvPicPr>
+            <a:picLocks noChangeAspect="1"/>
+          </p:cNvPicPr>
+          <p:nvPr/>
+        </p:nvPicPr>
+        <p:blipFill>
+          <a:blip r:embed="rId2">
+            <a:extLst>
+              <a:ext uri="{28A0092B-C50C-407E-A947-70E740481C1C}">
+                <a14:useLocalDpi xmlns:a14="http://schemas.microsoft.com/office/drawing/2010/main" val="0"/>
+              </a:ext>
+            </a:extLst>
+          </a:blip>
+          <a:stretch>
+            <a:fillRect/>
+          </a:stretch>
+        </p:blipFill>
+        <p:spPr>
+          <a:xfrm>
+            <a:off x="758283" y="115326"/>
+            <a:ext cx="10283407" cy="5782439"/>
+          </a:xfrm>
+          <a:prstGeom prst="rect">
+            <a:avLst/>
+          </a:prstGeom>
+        </p:spPr>
+      </p:pic>
     </p:spTree>
     <p:extLst>
       <p:ext uri="{BB962C8B-B14F-4D97-AF65-F5344CB8AC3E}">
-        <p14:creationId xmlns:p14="http://schemas.microsoft.com/office/powerpoint/2010/main" val="2844186355"/>
+        <p14:creationId xmlns:p14="http://schemas.microsoft.com/office/powerpoint/2010/main" val="261656653"/>
       </p:ext>
     </p:extLst>
   </p:cSld>
@@ -19711,7 +19554,161 @@
       </p:grpSpPr>
       <p:sp>
         <p:nvSpPr>
-          <p:cNvPr id="2" name="Footer Placeholder 1"/>
+          <p:cNvPr id="2" name="Content Placeholder 1"/>
+          <p:cNvSpPr>
+            <a:spLocks noGrp="1"/>
+          </p:cNvSpPr>
+          <p:nvPr>
+            <p:ph idx="1"/>
+          </p:nvPr>
+        </p:nvSpPr>
+        <p:spPr/>
+        <p:txBody>
+          <a:bodyPr>
+            <a:normAutofit fontScale="92500" lnSpcReduction="10000"/>
+          </a:bodyPr>
+          <a:lstStyle/>
+          <a:p>
+            <a:r>
+              <a:rPr lang="en-US" dirty="0" smtClean="0"/>
+              <a:t>Goal </a:t>
+            </a:r>
+          </a:p>
+          <a:p>
+            <a:pPr lvl="1"/>
+            <a:r>
+              <a:rPr lang="en-US" dirty="0" smtClean="0"/>
+              <a:t>Estimate the hourly operational cost </a:t>
+            </a:r>
+            <a:r>
+              <a:rPr lang="en-US" dirty="0" smtClean="0">
+                <a:sym typeface="Wingdings" panose="05000000000000000000" pitchFamily="2" charset="2"/>
+              </a:rPr>
+              <a:t>of the OPF problem</a:t>
+            </a:r>
+          </a:p>
+          <a:p>
+            <a:pPr lvl="1"/>
+            <a:r>
+              <a:rPr lang="en-US" dirty="0" smtClean="0">
+                <a:sym typeface="Wingdings" panose="05000000000000000000" pitchFamily="2" charset="2"/>
+              </a:rPr>
+              <a:t>Sensitive to time-series changes </a:t>
+            </a:r>
+          </a:p>
+          <a:p>
+            <a:pPr lvl="1"/>
+            <a:r>
+              <a:rPr lang="en-US" dirty="0" smtClean="0">
+                <a:sym typeface="Wingdings" panose="05000000000000000000" pitchFamily="2" charset="2"/>
+              </a:rPr>
+              <a:t>Sensitive to physical network changes </a:t>
+            </a:r>
+          </a:p>
+          <a:p>
+            <a:r>
+              <a:rPr lang="en-US" dirty="0" smtClean="0">
+                <a:sym typeface="Wingdings" panose="05000000000000000000" pitchFamily="2" charset="2"/>
+              </a:rPr>
+              <a:t>Approach </a:t>
+            </a:r>
+          </a:p>
+          <a:p>
+            <a:pPr lvl="1"/>
+            <a:r>
+              <a:rPr lang="en-US" dirty="0" smtClean="0">
+                <a:sym typeface="Wingdings" panose="05000000000000000000" pitchFamily="2" charset="2"/>
+              </a:rPr>
+              <a:t>Neural network works on hourly basis  Estimates one cost value</a:t>
+            </a:r>
+          </a:p>
+          <a:p>
+            <a:pPr lvl="1"/>
+            <a:r>
+              <a:rPr lang="en-US" dirty="0" smtClean="0">
+                <a:sym typeface="Wingdings" panose="05000000000000000000" pitchFamily="2" charset="2"/>
+              </a:rPr>
+              <a:t>Single output (cost)</a:t>
+            </a:r>
+          </a:p>
+          <a:p>
+            <a:pPr lvl="1"/>
+            <a:r>
+              <a:rPr lang="en-US" dirty="0" smtClean="0">
+                <a:sym typeface="Wingdings" panose="05000000000000000000" pitchFamily="2" charset="2"/>
+              </a:rPr>
+              <a:t>Input contains</a:t>
+            </a:r>
+          </a:p>
+          <a:p>
+            <a:pPr lvl="2"/>
+            <a:r>
+              <a:rPr lang="en-US" dirty="0" smtClean="0">
+                <a:sym typeface="Wingdings" panose="05000000000000000000" pitchFamily="2" charset="2"/>
+              </a:rPr>
+              <a:t>Demand (per node)</a:t>
+            </a:r>
+          </a:p>
+          <a:p>
+            <a:pPr lvl="2"/>
+            <a:r>
+              <a:rPr lang="en-US" dirty="0" smtClean="0">
+                <a:sym typeface="Wingdings" panose="05000000000000000000" pitchFamily="2" charset="2"/>
+              </a:rPr>
+              <a:t>Renewable availability factors (per technology per location)</a:t>
+            </a:r>
+          </a:p>
+          <a:p>
+            <a:pPr lvl="2"/>
+            <a:r>
+              <a:rPr lang="en-US" dirty="0" smtClean="0">
+                <a:sym typeface="Wingdings" panose="05000000000000000000" pitchFamily="2" charset="2"/>
+              </a:rPr>
+              <a:t>Admittance matrix</a:t>
+            </a:r>
+          </a:p>
+          <a:p>
+            <a:pPr marL="457200" lvl="1" indent="0">
+              <a:buNone/>
+            </a:pPr>
+            <a:r>
+              <a:rPr lang="en-US" dirty="0" smtClean="0">
+                <a:sym typeface="Wingdings" panose="05000000000000000000" pitchFamily="2" charset="2"/>
+              </a:rPr>
+              <a:t> Size of input vector quickly grows with number of buses</a:t>
+            </a:r>
+          </a:p>
+          <a:p>
+            <a:pPr lvl="2"/>
+            <a:endParaRPr lang="en-US" dirty="0" smtClean="0">
+              <a:sym typeface="Wingdings" panose="05000000000000000000" pitchFamily="2" charset="2"/>
+            </a:endParaRPr>
+          </a:p>
+          <a:p>
+            <a:pPr lvl="2"/>
+            <a:endParaRPr lang="en-US" dirty="0" smtClean="0">
+              <a:sym typeface="Wingdings" panose="05000000000000000000" pitchFamily="2" charset="2"/>
+            </a:endParaRPr>
+          </a:p>
+          <a:p>
+            <a:pPr lvl="1"/>
+            <a:endParaRPr lang="en-US" dirty="0" smtClean="0">
+              <a:sym typeface="Wingdings" panose="05000000000000000000" pitchFamily="2" charset="2"/>
+            </a:endParaRPr>
+          </a:p>
+          <a:p>
+            <a:pPr lvl="1"/>
+            <a:endParaRPr lang="en-US" dirty="0" smtClean="0"/>
+          </a:p>
+          <a:p>
+            <a:pPr lvl="1"/>
+            <a:endParaRPr lang="en-US" dirty="0"/>
+          </a:p>
+        </p:txBody>
+      </p:sp>
+      <p:sp>
+        <p:nvSpPr>
+          <p:cNvPr id="3" name="Footer Placeholder 2"/>
           <p:cNvSpPr>
             <a:spLocks noGrp="1"/>
           </p:cNvSpPr>
@@ -19725,15 +19722,16 @@
           <a:lstStyle/>
           <a:p>
             <a:r>
-              <a:rPr lang="nl-NL"/>
+              <a:rPr lang="nl-NL" smtClean="0"/>
               <a:t>Ingenieurswetenschappen, Werktuigkunde, TME</a:t>
             </a:r>
+            <a:endParaRPr lang="nl-NL"/>
           </a:p>
         </p:txBody>
       </p:sp>
       <p:sp>
         <p:nvSpPr>
-          <p:cNvPr id="3" name="Slide Number Placeholder 2"/>
+          <p:cNvPr id="4" name="Slide Number Placeholder 3"/>
           <p:cNvSpPr>
             <a:spLocks noGrp="1"/>
           </p:cNvSpPr>
@@ -19754,40 +19752,33 @@
           </a:p>
         </p:txBody>
       </p:sp>
-      <p:pic>
-        <p:nvPicPr>
-          <p:cNvPr id="4" name="Picture 3"/>
-          <p:cNvPicPr>
-            <a:picLocks noChangeAspect="1"/>
-          </p:cNvPicPr>
-          <p:nvPr/>
-        </p:nvPicPr>
-        <p:blipFill>
-          <a:blip r:embed="rId2">
-            <a:extLst>
-              <a:ext uri="{28A0092B-C50C-407E-A947-70E740481C1C}">
-                <a14:useLocalDpi xmlns:a14="http://schemas.microsoft.com/office/drawing/2010/main" val="0"/>
-              </a:ext>
-            </a:extLst>
-          </a:blip>
-          <a:stretch>
-            <a:fillRect/>
-          </a:stretch>
-        </p:blipFill>
-        <p:spPr>
-          <a:xfrm>
-            <a:off x="758283" y="115326"/>
-            <a:ext cx="10283407" cy="5782439"/>
-          </a:xfrm>
-          <a:prstGeom prst="rect">
-            <a:avLst/>
-          </a:prstGeom>
-        </p:spPr>
-      </p:pic>
+      <p:sp>
+        <p:nvSpPr>
+          <p:cNvPr id="5" name="Title 4"/>
+          <p:cNvSpPr>
+            <a:spLocks noGrp="1"/>
+          </p:cNvSpPr>
+          <p:nvPr>
+            <p:ph type="title"/>
+          </p:nvPr>
+        </p:nvSpPr>
+        <p:spPr/>
+        <p:txBody>
+          <a:bodyPr/>
+          <a:lstStyle/>
+          <a:p>
+            <a:r>
+              <a:rPr lang="en-US" dirty="0" smtClean="0"/>
+              <a:t>Neural Network for cost estimation</a:t>
+            </a:r>
+            <a:endParaRPr lang="en-US" dirty="0"/>
+          </a:p>
+        </p:txBody>
+      </p:sp>
     </p:spTree>
     <p:extLst>
       <p:ext uri="{BB962C8B-B14F-4D97-AF65-F5344CB8AC3E}">
-        <p14:creationId xmlns:p14="http://schemas.microsoft.com/office/powerpoint/2010/main" val="261656653"/>
+        <p14:creationId xmlns:p14="http://schemas.microsoft.com/office/powerpoint/2010/main" val="2844186355"/>
       </p:ext>
     </p:extLst>
   </p:cSld>

--- a/02. Presentations/PresentationGroup_KP.pptx
+++ b/02. Presentations/PresentationGroup_KP.pptx
@@ -21,7 +21,7 @@
     <p:sldId id="275" r:id="rId12"/>
     <p:sldId id="276" r:id="rId13"/>
     <p:sldId id="281" r:id="rId14"/>
-    <p:sldId id="272" r:id="rId15"/>
+    <p:sldId id="282" r:id="rId15"/>
   </p:sldIdLst>
   <p:sldSz cx="12192000" cy="6858000"/>
   <p:notesSz cx="6858000" cy="9144000"/>
@@ -5078,7 +5078,93 @@
       </p:grpSpPr>
       <p:sp>
         <p:nvSpPr>
-          <p:cNvPr id="2" name="Footer Placeholder 1"/>
+          <p:cNvPr id="2" name="Content Placeholder 1"/>
+          <p:cNvSpPr>
+            <a:spLocks noGrp="1"/>
+          </p:cNvSpPr>
+          <p:nvPr>
+            <p:ph idx="1"/>
+          </p:nvPr>
+        </p:nvSpPr>
+        <p:spPr>
+          <a:xfrm>
+            <a:off x="576000" y="1656000"/>
+            <a:ext cx="4020938" cy="4464000"/>
+          </a:xfrm>
+        </p:spPr>
+        <p:txBody>
+          <a:bodyPr>
+            <a:normAutofit lnSpcReduction="10000"/>
+          </a:bodyPr>
+          <a:lstStyle/>
+          <a:p>
+            <a:pPr marL="0" indent="0">
+              <a:buNone/>
+            </a:pPr>
+            <a:r>
+              <a:rPr lang="en-US" sz="1800" b="1" dirty="0" smtClean="0"/>
+              <a:t>Goal</a:t>
+            </a:r>
+          </a:p>
+          <a:p>
+            <a:r>
+              <a:rPr lang="en-US" sz="1800" dirty="0" smtClean="0"/>
+              <a:t>Train and test on a subset of desired outcomes</a:t>
+            </a:r>
+          </a:p>
+          <a:p>
+            <a:r>
+              <a:rPr lang="en-US" sz="1800" dirty="0" smtClean="0"/>
+              <a:t>Achieve speedup by obtaining remaining outcomes with NN instead of optimization</a:t>
+            </a:r>
+          </a:p>
+          <a:p>
+            <a:pPr marL="0" indent="0">
+              <a:buNone/>
+            </a:pPr>
+            <a:r>
+              <a:rPr lang="en-US" sz="1800" b="1" dirty="0" smtClean="0"/>
+              <a:t>Approach</a:t>
+            </a:r>
+          </a:p>
+          <a:p>
+            <a:r>
+              <a:rPr lang="en-US" sz="1800" dirty="0" smtClean="0"/>
+              <a:t>Optimization performed for</a:t>
+            </a:r>
+          </a:p>
+          <a:p>
+            <a:pPr lvl="1"/>
+            <a:r>
+              <a:rPr lang="en-US" sz="1800" dirty="0" smtClean="0"/>
+              <a:t>1 week of each month</a:t>
+            </a:r>
+          </a:p>
+          <a:p>
+            <a:pPr lvl="1"/>
+            <a:r>
+              <a:rPr lang="en-US" sz="1800" dirty="0" smtClean="0"/>
+              <a:t>All individual line candidates</a:t>
+            </a:r>
+          </a:p>
+          <a:p>
+            <a:r>
+              <a:rPr lang="en-US" sz="1800" dirty="0" smtClean="0"/>
+              <a:t>Split obtained dataset into training and test sets </a:t>
+            </a:r>
+          </a:p>
+          <a:p>
+            <a:r>
+              <a:rPr lang="en-US" sz="1800" dirty="0" smtClean="0"/>
+              <a:t>Tune network design to obtain best result on test set</a:t>
+            </a:r>
+            <a:endParaRPr lang="en-US" sz="1800" dirty="0"/>
+          </a:p>
+        </p:txBody>
+      </p:sp>
+      <p:sp>
+        <p:nvSpPr>
+          <p:cNvPr id="3" name="Footer Placeholder 2"/>
           <p:cNvSpPr>
             <a:spLocks noGrp="1"/>
           </p:cNvSpPr>
@@ -5092,15 +5178,16 @@
           <a:lstStyle/>
           <a:p>
             <a:r>
-              <a:rPr lang="nl-NL"/>
+              <a:rPr lang="nl-NL" smtClean="0"/>
               <a:t>Ingenieurswetenschappen, Werktuigkunde, TME</a:t>
             </a:r>
+            <a:endParaRPr lang="nl-NL"/>
           </a:p>
         </p:txBody>
       </p:sp>
       <p:sp>
         <p:nvSpPr>
-          <p:cNvPr id="3" name="Slide Number Placeholder 2"/>
+          <p:cNvPr id="4" name="Slide Number Placeholder 3"/>
           <p:cNvSpPr>
             <a:spLocks noGrp="1"/>
           </p:cNvSpPr>
@@ -5121,9 +5208,32 @@
           </a:p>
         </p:txBody>
       </p:sp>
+      <p:sp>
+        <p:nvSpPr>
+          <p:cNvPr id="5" name="Title 4"/>
+          <p:cNvSpPr>
+            <a:spLocks noGrp="1"/>
+          </p:cNvSpPr>
+          <p:nvPr>
+            <p:ph type="title"/>
+          </p:nvPr>
+        </p:nvSpPr>
+        <p:spPr/>
+        <p:txBody>
+          <a:bodyPr/>
+          <a:lstStyle/>
+          <a:p>
+            <a:r>
+              <a:rPr lang="en-US" dirty="0" smtClean="0"/>
+              <a:t>Neural network training</a:t>
+            </a:r>
+            <a:endParaRPr lang="en-US" dirty="0"/>
+          </a:p>
+        </p:txBody>
+      </p:sp>
       <p:pic>
         <p:nvPicPr>
-          <p:cNvPr id="4" name="Picture 3"/>
+          <p:cNvPr id="6" name="Picture 5"/>
           <p:cNvPicPr>
             <a:picLocks noChangeAspect="1"/>
           </p:cNvPicPr>
@@ -5143,8 +5253,8 @@
         </p:blipFill>
         <p:spPr>
           <a:xfrm>
-            <a:off x="758283" y="115326"/>
-            <a:ext cx="10283407" cy="5782439"/>
+            <a:off x="5509898" y="1959959"/>
+            <a:ext cx="6489537" cy="3649117"/>
           </a:xfrm>
           <a:prstGeom prst="rect">
             <a:avLst/>
@@ -5154,7 +5264,7 @@
     </p:spTree>
     <p:extLst>
       <p:ext uri="{BB962C8B-B14F-4D97-AF65-F5344CB8AC3E}">
-        <p14:creationId xmlns:p14="http://schemas.microsoft.com/office/powerpoint/2010/main" val="261656653"/>
+        <p14:creationId xmlns:p14="http://schemas.microsoft.com/office/powerpoint/2010/main" val="4078915702"/>
       </p:ext>
     </p:extLst>
   </p:cSld>
@@ -19562,20 +19672,31 @@
             <p:ph idx="1"/>
           </p:nvPr>
         </p:nvSpPr>
-        <p:spPr/>
+        <p:spPr>
+          <a:xfrm>
+            <a:off x="576000" y="1656000"/>
+            <a:ext cx="4428713" cy="4464000"/>
+          </a:xfrm>
+        </p:spPr>
         <p:txBody>
           <a:bodyPr>
-            <a:normAutofit fontScale="92500" lnSpcReduction="10000"/>
+            <a:normAutofit fontScale="70000" lnSpcReduction="20000"/>
           </a:bodyPr>
           <a:lstStyle/>
           <a:p>
+            <a:pPr marL="0" indent="0">
+              <a:buNone/>
+            </a:pPr>
+            <a:r>
+              <a:rPr lang="en-US" b="1" dirty="0" smtClean="0"/>
+              <a:t>Goal</a:t>
+            </a:r>
             <a:r>
               <a:rPr lang="en-US" dirty="0" smtClean="0"/>
-              <a:t>Goal </a:t>
-            </a:r>
-          </a:p>
-          <a:p>
-            <a:pPr lvl="1"/>
+              <a:t> </a:t>
+            </a:r>
+          </a:p>
+          <a:p>
             <a:r>
               <a:rPr lang="en-US" dirty="0" smtClean="0"/>
               <a:t>Estimate the hourly operational cost </a:t>
@@ -19588,12 +19709,11 @@
             </a:r>
           </a:p>
           <a:p>
-            <a:pPr lvl="1"/>
             <a:r>
               <a:rPr lang="en-US" dirty="0" smtClean="0">
                 <a:sym typeface="Wingdings" panose="05000000000000000000" pitchFamily="2" charset="2"/>
               </a:rPr>
-              <a:t>Sensitive to time-series changes </a:t>
+              <a:t>Sensitive to</a:t>
             </a:r>
           </a:p>
           <a:p>
@@ -19602,15 +19722,33 @@
               <a:rPr lang="en-US" dirty="0" smtClean="0">
                 <a:sym typeface="Wingdings" panose="05000000000000000000" pitchFamily="2" charset="2"/>
               </a:rPr>
-              <a:t>Sensitive to physical network changes </a:t>
-            </a:r>
-          </a:p>
-          <a:p>
+              <a:t>time-series changes </a:t>
+            </a:r>
+          </a:p>
+          <a:p>
+            <a:pPr lvl="1"/>
             <a:r>
               <a:rPr lang="en-US" dirty="0" smtClean="0">
                 <a:sym typeface="Wingdings" panose="05000000000000000000" pitchFamily="2" charset="2"/>
               </a:rPr>
-              <a:t>Approach </a:t>
+              <a:t>physical network changes </a:t>
+            </a:r>
+          </a:p>
+          <a:p>
+            <a:pPr marL="0" indent="0">
+              <a:buNone/>
+            </a:pPr>
+            <a:r>
+              <a:rPr lang="en-US" b="1" dirty="0" smtClean="0">
+                <a:sym typeface="Wingdings" panose="05000000000000000000" pitchFamily="2" charset="2"/>
+              </a:rPr>
+              <a:t>Approach</a:t>
+            </a:r>
+            <a:r>
+              <a:rPr lang="en-US" dirty="0" smtClean="0">
+                <a:sym typeface="Wingdings" panose="05000000000000000000" pitchFamily="2" charset="2"/>
+              </a:rPr>
+              <a:t> </a:t>
             </a:r>
           </a:p>
           <a:p>
@@ -19668,18 +19806,42 @@
             </a:r>
           </a:p>
           <a:p>
-            <a:pPr marL="457200" lvl="1" indent="0">
-              <a:buNone/>
+            <a:pPr lvl="1">
+              <a:buFont typeface="Wingdings" panose="05000000000000000000" pitchFamily="2" charset="2"/>
+              <a:buChar char="à"/>
             </a:pPr>
             <a:r>
               <a:rPr lang="en-US" dirty="0" smtClean="0">
                 <a:sym typeface="Wingdings" panose="05000000000000000000" pitchFamily="2" charset="2"/>
               </a:rPr>
-              <a:t> Size of input vector quickly grows with number of buses</a:t>
-            </a:r>
-          </a:p>
-          <a:p>
-            <a:pPr lvl="2"/>
+              <a:t>Size </a:t>
+            </a:r>
+            <a:r>
+              <a:rPr lang="en-US" dirty="0" smtClean="0">
+                <a:sym typeface="Wingdings" panose="05000000000000000000" pitchFamily="2" charset="2"/>
+              </a:rPr>
+              <a:t>of input vector quickly grows with number of </a:t>
+            </a:r>
+            <a:r>
+              <a:rPr lang="en-US" dirty="0" smtClean="0">
+                <a:sym typeface="Wingdings" panose="05000000000000000000" pitchFamily="2" charset="2"/>
+              </a:rPr>
+              <a:t>buses</a:t>
+            </a:r>
+            <a:endParaRPr lang="en-US" dirty="0" smtClean="0">
+              <a:sym typeface="Wingdings" panose="05000000000000000000" pitchFamily="2" charset="2"/>
+            </a:endParaRPr>
+          </a:p>
+          <a:p>
+            <a:pPr lvl="1"/>
+            <a:endParaRPr lang="en-US" dirty="0" smtClean="0">
+              <a:sym typeface="Wingdings" panose="05000000000000000000" pitchFamily="2" charset="2"/>
+            </a:endParaRPr>
+          </a:p>
+          <a:p>
+            <a:pPr marL="914400" lvl="2" indent="0">
+              <a:buNone/>
+            </a:pPr>
             <a:endParaRPr lang="en-US" dirty="0" smtClean="0">
               <a:sym typeface="Wingdings" panose="05000000000000000000" pitchFamily="2" charset="2"/>
             </a:endParaRPr>
@@ -19722,10 +19884,10 @@
           <a:lstStyle/>
           <a:p>
             <a:r>
-              <a:rPr lang="nl-NL" smtClean="0"/>
+              <a:rPr lang="nl-NL" dirty="0" smtClean="0"/>
               <a:t>Ingenieurswetenschappen, Werktuigkunde, TME</a:t>
             </a:r>
-            <a:endParaRPr lang="nl-NL"/>
+            <a:endParaRPr lang="nl-NL" dirty="0"/>
           </a:p>
         </p:txBody>
       </p:sp>
@@ -19772,6 +19934,1599 @@
               <a:t>Neural Network for cost estimation</a:t>
             </a:r>
             <a:endParaRPr lang="en-US" dirty="0"/>
+          </a:p>
+        </p:txBody>
+      </p:sp>
+      <p:grpSp>
+        <p:nvGrpSpPr>
+          <p:cNvPr id="26" name="Group 25"/>
+          <p:cNvGrpSpPr/>
+          <p:nvPr/>
+        </p:nvGrpSpPr>
+        <p:grpSpPr>
+          <a:xfrm>
+            <a:off x="7339451" y="1789463"/>
+            <a:ext cx="1020404" cy="370867"/>
+            <a:chOff x="7339451" y="1728010"/>
+            <a:chExt cx="1020404" cy="370867"/>
+          </a:xfrm>
+        </p:grpSpPr>
+        <p:sp>
+          <p:nvSpPr>
+            <p:cNvPr id="6" name="Oval 5"/>
+            <p:cNvSpPr/>
+            <p:nvPr/>
+          </p:nvSpPr>
+          <p:spPr>
+            <a:xfrm>
+              <a:off x="7339451" y="1885203"/>
+              <a:ext cx="246711" cy="213674"/>
+            </a:xfrm>
+            <a:prstGeom prst="ellipse">
+              <a:avLst/>
+            </a:prstGeom>
+          </p:spPr>
+          <p:style>
+            <a:lnRef idx="2">
+              <a:schemeClr val="accent1">
+                <a:shade val="50000"/>
+              </a:schemeClr>
+            </a:lnRef>
+            <a:fillRef idx="1">
+              <a:schemeClr val="accent1"/>
+            </a:fillRef>
+            <a:effectRef idx="0">
+              <a:schemeClr val="accent1"/>
+            </a:effectRef>
+            <a:fontRef idx="minor">
+              <a:schemeClr val="lt1"/>
+            </a:fontRef>
+          </p:style>
+          <p:txBody>
+            <a:bodyPr rtlCol="0" anchor="ctr"/>
+            <a:lstStyle/>
+            <a:p>
+              <a:pPr algn="ctr"/>
+              <a:endParaRPr lang="en-US"/>
+            </a:p>
+          </p:txBody>
+        </p:sp>
+        <p:sp>
+          <p:nvSpPr>
+            <p:cNvPr id="7" name="Oval 6"/>
+            <p:cNvSpPr/>
+            <p:nvPr/>
+          </p:nvSpPr>
+          <p:spPr>
+            <a:xfrm>
+              <a:off x="7600671" y="1885203"/>
+              <a:ext cx="246711" cy="213674"/>
+            </a:xfrm>
+            <a:prstGeom prst="ellipse">
+              <a:avLst/>
+            </a:prstGeom>
+          </p:spPr>
+          <p:style>
+            <a:lnRef idx="2">
+              <a:schemeClr val="accent1">
+                <a:shade val="50000"/>
+              </a:schemeClr>
+            </a:lnRef>
+            <a:fillRef idx="1">
+              <a:schemeClr val="accent1"/>
+            </a:fillRef>
+            <a:effectRef idx="0">
+              <a:schemeClr val="accent1"/>
+            </a:effectRef>
+            <a:fontRef idx="minor">
+              <a:schemeClr val="lt1"/>
+            </a:fontRef>
+          </p:style>
+          <p:txBody>
+            <a:bodyPr rtlCol="0" anchor="ctr"/>
+            <a:lstStyle/>
+            <a:p>
+              <a:pPr algn="ctr"/>
+              <a:endParaRPr lang="en-US"/>
+            </a:p>
+          </p:txBody>
+        </p:sp>
+        <p:sp>
+          <p:nvSpPr>
+            <p:cNvPr id="9" name="Oval 8"/>
+            <p:cNvSpPr/>
+            <p:nvPr/>
+          </p:nvSpPr>
+          <p:spPr>
+            <a:xfrm>
+              <a:off x="8113144" y="1885203"/>
+              <a:ext cx="246711" cy="213674"/>
+            </a:xfrm>
+            <a:prstGeom prst="ellipse">
+              <a:avLst/>
+            </a:prstGeom>
+          </p:spPr>
+          <p:style>
+            <a:lnRef idx="2">
+              <a:schemeClr val="accent1">
+                <a:shade val="50000"/>
+              </a:schemeClr>
+            </a:lnRef>
+            <a:fillRef idx="1">
+              <a:schemeClr val="accent1"/>
+            </a:fillRef>
+            <a:effectRef idx="0">
+              <a:schemeClr val="accent1"/>
+            </a:effectRef>
+            <a:fontRef idx="minor">
+              <a:schemeClr val="lt1"/>
+            </a:fontRef>
+          </p:style>
+          <p:txBody>
+            <a:bodyPr rtlCol="0" anchor="ctr"/>
+            <a:lstStyle/>
+            <a:p>
+              <a:pPr algn="ctr"/>
+              <a:endParaRPr lang="en-US"/>
+            </a:p>
+          </p:txBody>
+        </p:sp>
+        <p:sp>
+          <p:nvSpPr>
+            <p:cNvPr id="10" name="TextBox 9"/>
+            <p:cNvSpPr txBox="1"/>
+            <p:nvPr/>
+          </p:nvSpPr>
+          <p:spPr>
+            <a:xfrm>
+              <a:off x="7768774" y="1728010"/>
+              <a:ext cx="415499" cy="369332"/>
+            </a:xfrm>
+            <a:prstGeom prst="rect">
+              <a:avLst/>
+            </a:prstGeom>
+            <a:noFill/>
+          </p:spPr>
+          <p:txBody>
+            <a:bodyPr wrap="none" rtlCol="0" anchor="ctr">
+              <a:spAutoFit/>
+            </a:bodyPr>
+            <a:lstStyle/>
+            <a:p>
+              <a:pPr algn="ctr"/>
+              <a:r>
+                <a:rPr lang="en-US" dirty="0" smtClean="0"/>
+                <a:t>…</a:t>
+              </a:r>
+              <a:endParaRPr lang="en-US" dirty="0"/>
+            </a:p>
+          </p:txBody>
+        </p:sp>
+      </p:grpSp>
+      <p:sp>
+        <p:nvSpPr>
+          <p:cNvPr id="38" name="Rounded Rectangle 37"/>
+          <p:cNvSpPr/>
+          <p:nvPr/>
+        </p:nvSpPr>
+        <p:spPr>
+          <a:xfrm>
+            <a:off x="5469775" y="1918005"/>
+            <a:ext cx="1109206" cy="196550"/>
+          </a:xfrm>
+          <a:prstGeom prst="roundRect">
+            <a:avLst/>
+          </a:prstGeom>
+        </p:spPr>
+        <p:style>
+          <a:lnRef idx="2">
+            <a:schemeClr val="accent1">
+              <a:shade val="50000"/>
+            </a:schemeClr>
+          </a:lnRef>
+          <a:fillRef idx="1">
+            <a:schemeClr val="accent1"/>
+          </a:fillRef>
+          <a:effectRef idx="0">
+            <a:schemeClr val="accent1"/>
+          </a:effectRef>
+          <a:fontRef idx="minor">
+            <a:schemeClr val="lt1"/>
+          </a:fontRef>
+        </p:style>
+        <p:txBody>
+          <a:bodyPr rtlCol="0" anchor="ctr"/>
+          <a:lstStyle/>
+          <a:p>
+            <a:pPr algn="ctr"/>
+            <a:r>
+              <a:rPr lang="en-US" sz="1200" dirty="0" smtClean="0"/>
+              <a:t>Input layer</a:t>
+            </a:r>
+            <a:endParaRPr lang="en-US" sz="1200" dirty="0"/>
+          </a:p>
+        </p:txBody>
+      </p:sp>
+      <p:sp>
+        <p:nvSpPr>
+          <p:cNvPr id="49" name="Rounded Rectangle 48"/>
+          <p:cNvSpPr/>
+          <p:nvPr/>
+        </p:nvSpPr>
+        <p:spPr>
+          <a:xfrm>
+            <a:off x="5522922" y="5488070"/>
+            <a:ext cx="1420515" cy="196550"/>
+          </a:xfrm>
+          <a:prstGeom prst="roundRect">
+            <a:avLst/>
+          </a:prstGeom>
+        </p:spPr>
+        <p:style>
+          <a:lnRef idx="2">
+            <a:schemeClr val="accent1">
+              <a:shade val="50000"/>
+            </a:schemeClr>
+          </a:lnRef>
+          <a:fillRef idx="1">
+            <a:schemeClr val="accent1"/>
+          </a:fillRef>
+          <a:effectRef idx="0">
+            <a:schemeClr val="accent1"/>
+          </a:effectRef>
+          <a:fontRef idx="minor">
+            <a:schemeClr val="lt1"/>
+          </a:fontRef>
+        </p:style>
+        <p:txBody>
+          <a:bodyPr rtlCol="0" anchor="ctr"/>
+          <a:lstStyle/>
+          <a:p>
+            <a:pPr algn="ctr"/>
+            <a:r>
+              <a:rPr lang="en-US" sz="1200" dirty="0" smtClean="0"/>
+              <a:t>Single output</a:t>
+            </a:r>
+            <a:endParaRPr lang="en-US" sz="1200" dirty="0"/>
+          </a:p>
+        </p:txBody>
+      </p:sp>
+      <p:sp>
+        <p:nvSpPr>
+          <p:cNvPr id="23" name="Oval 22"/>
+          <p:cNvSpPr/>
+          <p:nvPr/>
+        </p:nvSpPr>
+        <p:spPr>
+          <a:xfrm>
+            <a:off x="9391601" y="5469661"/>
+            <a:ext cx="246711" cy="213674"/>
+          </a:xfrm>
+          <a:prstGeom prst="ellipse">
+            <a:avLst/>
+          </a:prstGeom>
+        </p:spPr>
+        <p:style>
+          <a:lnRef idx="2">
+            <a:schemeClr val="accent1">
+              <a:shade val="50000"/>
+            </a:schemeClr>
+          </a:lnRef>
+          <a:fillRef idx="1">
+            <a:schemeClr val="accent1"/>
+          </a:fillRef>
+          <a:effectRef idx="0">
+            <a:schemeClr val="accent1"/>
+          </a:effectRef>
+          <a:fontRef idx="minor">
+            <a:schemeClr val="lt1"/>
+          </a:fontRef>
+        </p:style>
+        <p:txBody>
+          <a:bodyPr rtlCol="0" anchor="ctr"/>
+          <a:lstStyle/>
+          <a:p>
+            <a:pPr algn="ctr"/>
+            <a:endParaRPr lang="en-US"/>
+          </a:p>
+        </p:txBody>
+      </p:sp>
+      <p:grpSp>
+        <p:nvGrpSpPr>
+          <p:cNvPr id="24" name="Group 23"/>
+          <p:cNvGrpSpPr/>
+          <p:nvPr/>
+        </p:nvGrpSpPr>
+        <p:grpSpPr>
+          <a:xfrm>
+            <a:off x="8737255" y="1789463"/>
+            <a:ext cx="1020404" cy="370867"/>
+            <a:chOff x="7339451" y="1728010"/>
+            <a:chExt cx="1020404" cy="370867"/>
+          </a:xfrm>
+        </p:grpSpPr>
+        <p:sp>
+          <p:nvSpPr>
+            <p:cNvPr id="25" name="Oval 24"/>
+            <p:cNvSpPr/>
+            <p:nvPr/>
+          </p:nvSpPr>
+          <p:spPr>
+            <a:xfrm>
+              <a:off x="7339451" y="1885203"/>
+              <a:ext cx="246711" cy="213674"/>
+            </a:xfrm>
+            <a:prstGeom prst="ellipse">
+              <a:avLst/>
+            </a:prstGeom>
+          </p:spPr>
+          <p:style>
+            <a:lnRef idx="2">
+              <a:schemeClr val="accent1">
+                <a:shade val="50000"/>
+              </a:schemeClr>
+            </a:lnRef>
+            <a:fillRef idx="1">
+              <a:schemeClr val="accent1"/>
+            </a:fillRef>
+            <a:effectRef idx="0">
+              <a:schemeClr val="accent1"/>
+            </a:effectRef>
+            <a:fontRef idx="minor">
+              <a:schemeClr val="lt1"/>
+            </a:fontRef>
+          </p:style>
+          <p:txBody>
+            <a:bodyPr rtlCol="0" anchor="ctr"/>
+            <a:lstStyle/>
+            <a:p>
+              <a:pPr algn="ctr"/>
+              <a:endParaRPr lang="en-US"/>
+            </a:p>
+          </p:txBody>
+        </p:sp>
+        <p:sp>
+          <p:nvSpPr>
+            <p:cNvPr id="37" name="Oval 36"/>
+            <p:cNvSpPr/>
+            <p:nvPr/>
+          </p:nvSpPr>
+          <p:spPr>
+            <a:xfrm>
+              <a:off x="7600671" y="1885203"/>
+              <a:ext cx="246711" cy="213674"/>
+            </a:xfrm>
+            <a:prstGeom prst="ellipse">
+              <a:avLst/>
+            </a:prstGeom>
+          </p:spPr>
+          <p:style>
+            <a:lnRef idx="2">
+              <a:schemeClr val="accent1">
+                <a:shade val="50000"/>
+              </a:schemeClr>
+            </a:lnRef>
+            <a:fillRef idx="1">
+              <a:schemeClr val="accent1"/>
+            </a:fillRef>
+            <a:effectRef idx="0">
+              <a:schemeClr val="accent1"/>
+            </a:effectRef>
+            <a:fontRef idx="minor">
+              <a:schemeClr val="lt1"/>
+            </a:fontRef>
+          </p:style>
+          <p:txBody>
+            <a:bodyPr rtlCol="0" anchor="ctr"/>
+            <a:lstStyle/>
+            <a:p>
+              <a:pPr algn="ctr"/>
+              <a:endParaRPr lang="en-US"/>
+            </a:p>
+          </p:txBody>
+        </p:sp>
+        <p:sp>
+          <p:nvSpPr>
+            <p:cNvPr id="39" name="Oval 38"/>
+            <p:cNvSpPr/>
+            <p:nvPr/>
+          </p:nvSpPr>
+          <p:spPr>
+            <a:xfrm>
+              <a:off x="8113144" y="1885203"/>
+              <a:ext cx="246711" cy="213674"/>
+            </a:xfrm>
+            <a:prstGeom prst="ellipse">
+              <a:avLst/>
+            </a:prstGeom>
+          </p:spPr>
+          <p:style>
+            <a:lnRef idx="2">
+              <a:schemeClr val="accent1">
+                <a:shade val="50000"/>
+              </a:schemeClr>
+            </a:lnRef>
+            <a:fillRef idx="1">
+              <a:schemeClr val="accent1"/>
+            </a:fillRef>
+            <a:effectRef idx="0">
+              <a:schemeClr val="accent1"/>
+            </a:effectRef>
+            <a:fontRef idx="minor">
+              <a:schemeClr val="lt1"/>
+            </a:fontRef>
+          </p:style>
+          <p:txBody>
+            <a:bodyPr rtlCol="0" anchor="ctr"/>
+            <a:lstStyle/>
+            <a:p>
+              <a:pPr algn="ctr"/>
+              <a:endParaRPr lang="en-US"/>
+            </a:p>
+          </p:txBody>
+        </p:sp>
+        <p:sp>
+          <p:nvSpPr>
+            <p:cNvPr id="40" name="TextBox 39"/>
+            <p:cNvSpPr txBox="1"/>
+            <p:nvPr/>
+          </p:nvSpPr>
+          <p:spPr>
+            <a:xfrm>
+              <a:off x="7768774" y="1728010"/>
+              <a:ext cx="415499" cy="369332"/>
+            </a:xfrm>
+            <a:prstGeom prst="rect">
+              <a:avLst/>
+            </a:prstGeom>
+            <a:noFill/>
+          </p:spPr>
+          <p:txBody>
+            <a:bodyPr wrap="none" rtlCol="0" anchor="ctr">
+              <a:spAutoFit/>
+            </a:bodyPr>
+            <a:lstStyle/>
+            <a:p>
+              <a:pPr algn="ctr"/>
+              <a:r>
+                <a:rPr lang="en-US" dirty="0" smtClean="0"/>
+                <a:t>…</a:t>
+              </a:r>
+              <a:endParaRPr lang="en-US" dirty="0"/>
+            </a:p>
+          </p:txBody>
+        </p:sp>
+      </p:grpSp>
+      <p:grpSp>
+        <p:nvGrpSpPr>
+          <p:cNvPr id="41" name="Group 40"/>
+          <p:cNvGrpSpPr/>
+          <p:nvPr/>
+        </p:nvGrpSpPr>
+        <p:grpSpPr>
+          <a:xfrm>
+            <a:off x="10438132" y="1789463"/>
+            <a:ext cx="1020404" cy="370867"/>
+            <a:chOff x="7339451" y="1728010"/>
+            <a:chExt cx="1020404" cy="370867"/>
+          </a:xfrm>
+        </p:grpSpPr>
+        <p:sp>
+          <p:nvSpPr>
+            <p:cNvPr id="42" name="Oval 41"/>
+            <p:cNvSpPr/>
+            <p:nvPr/>
+          </p:nvSpPr>
+          <p:spPr>
+            <a:xfrm>
+              <a:off x="7339451" y="1885203"/>
+              <a:ext cx="246711" cy="213674"/>
+            </a:xfrm>
+            <a:prstGeom prst="ellipse">
+              <a:avLst/>
+            </a:prstGeom>
+          </p:spPr>
+          <p:style>
+            <a:lnRef idx="2">
+              <a:schemeClr val="accent1">
+                <a:shade val="50000"/>
+              </a:schemeClr>
+            </a:lnRef>
+            <a:fillRef idx="1">
+              <a:schemeClr val="accent1"/>
+            </a:fillRef>
+            <a:effectRef idx="0">
+              <a:schemeClr val="accent1"/>
+            </a:effectRef>
+            <a:fontRef idx="minor">
+              <a:schemeClr val="lt1"/>
+            </a:fontRef>
+          </p:style>
+          <p:txBody>
+            <a:bodyPr rtlCol="0" anchor="ctr"/>
+            <a:lstStyle/>
+            <a:p>
+              <a:pPr algn="ctr"/>
+              <a:endParaRPr lang="en-US"/>
+            </a:p>
+          </p:txBody>
+        </p:sp>
+        <p:sp>
+          <p:nvSpPr>
+            <p:cNvPr id="43" name="Oval 42"/>
+            <p:cNvSpPr/>
+            <p:nvPr/>
+          </p:nvSpPr>
+          <p:spPr>
+            <a:xfrm>
+              <a:off x="7600671" y="1885203"/>
+              <a:ext cx="246711" cy="213674"/>
+            </a:xfrm>
+            <a:prstGeom prst="ellipse">
+              <a:avLst/>
+            </a:prstGeom>
+          </p:spPr>
+          <p:style>
+            <a:lnRef idx="2">
+              <a:schemeClr val="accent1">
+                <a:shade val="50000"/>
+              </a:schemeClr>
+            </a:lnRef>
+            <a:fillRef idx="1">
+              <a:schemeClr val="accent1"/>
+            </a:fillRef>
+            <a:effectRef idx="0">
+              <a:schemeClr val="accent1"/>
+            </a:effectRef>
+            <a:fontRef idx="minor">
+              <a:schemeClr val="lt1"/>
+            </a:fontRef>
+          </p:style>
+          <p:txBody>
+            <a:bodyPr rtlCol="0" anchor="ctr"/>
+            <a:lstStyle/>
+            <a:p>
+              <a:pPr algn="ctr"/>
+              <a:endParaRPr lang="en-US"/>
+            </a:p>
+          </p:txBody>
+        </p:sp>
+        <p:sp>
+          <p:nvSpPr>
+            <p:cNvPr id="44" name="Oval 43"/>
+            <p:cNvSpPr/>
+            <p:nvPr/>
+          </p:nvSpPr>
+          <p:spPr>
+            <a:xfrm>
+              <a:off x="8113144" y="1885203"/>
+              <a:ext cx="246711" cy="213674"/>
+            </a:xfrm>
+            <a:prstGeom prst="ellipse">
+              <a:avLst/>
+            </a:prstGeom>
+          </p:spPr>
+          <p:style>
+            <a:lnRef idx="2">
+              <a:schemeClr val="accent1">
+                <a:shade val="50000"/>
+              </a:schemeClr>
+            </a:lnRef>
+            <a:fillRef idx="1">
+              <a:schemeClr val="accent1"/>
+            </a:fillRef>
+            <a:effectRef idx="0">
+              <a:schemeClr val="accent1"/>
+            </a:effectRef>
+            <a:fontRef idx="minor">
+              <a:schemeClr val="lt1"/>
+            </a:fontRef>
+          </p:style>
+          <p:txBody>
+            <a:bodyPr rtlCol="0" anchor="ctr"/>
+            <a:lstStyle/>
+            <a:p>
+              <a:pPr algn="ctr"/>
+              <a:endParaRPr lang="en-US"/>
+            </a:p>
+          </p:txBody>
+        </p:sp>
+        <p:sp>
+          <p:nvSpPr>
+            <p:cNvPr id="45" name="TextBox 44"/>
+            <p:cNvSpPr txBox="1"/>
+            <p:nvPr/>
+          </p:nvSpPr>
+          <p:spPr>
+            <a:xfrm>
+              <a:off x="7768774" y="1728010"/>
+              <a:ext cx="415499" cy="369332"/>
+            </a:xfrm>
+            <a:prstGeom prst="rect">
+              <a:avLst/>
+            </a:prstGeom>
+            <a:noFill/>
+          </p:spPr>
+          <p:txBody>
+            <a:bodyPr wrap="none" rtlCol="0" anchor="ctr">
+              <a:spAutoFit/>
+            </a:bodyPr>
+            <a:lstStyle/>
+            <a:p>
+              <a:pPr algn="ctr"/>
+              <a:r>
+                <a:rPr lang="en-US" dirty="0" smtClean="0"/>
+                <a:t>…</a:t>
+              </a:r>
+              <a:endParaRPr lang="en-US" dirty="0"/>
+            </a:p>
+          </p:txBody>
+        </p:sp>
+      </p:grpSp>
+      <p:sp>
+        <p:nvSpPr>
+          <p:cNvPr id="52" name="Rounded Rectangle 51"/>
+          <p:cNvSpPr/>
+          <p:nvPr/>
+        </p:nvSpPr>
+        <p:spPr>
+          <a:xfrm>
+            <a:off x="7268380" y="1534761"/>
+            <a:ext cx="1109206" cy="196550"/>
+          </a:xfrm>
+          <a:prstGeom prst="roundRect">
+            <a:avLst/>
+          </a:prstGeom>
+          <a:solidFill>
+            <a:schemeClr val="accent3"/>
+          </a:solidFill>
+        </p:spPr>
+        <p:style>
+          <a:lnRef idx="2">
+            <a:schemeClr val="accent1">
+              <a:shade val="50000"/>
+            </a:schemeClr>
+          </a:lnRef>
+          <a:fillRef idx="1">
+            <a:schemeClr val="accent1"/>
+          </a:fillRef>
+          <a:effectRef idx="0">
+            <a:schemeClr val="accent1"/>
+          </a:effectRef>
+          <a:fontRef idx="minor">
+            <a:schemeClr val="lt1"/>
+          </a:fontRef>
+        </p:style>
+        <p:txBody>
+          <a:bodyPr rtlCol="0" anchor="ctr"/>
+          <a:lstStyle/>
+          <a:p>
+            <a:pPr algn="ctr"/>
+            <a:r>
+              <a:rPr lang="en-US" sz="1200" dirty="0" smtClean="0"/>
+              <a:t>Demands</a:t>
+            </a:r>
+            <a:endParaRPr lang="en-US" sz="1200" dirty="0"/>
+          </a:p>
+        </p:txBody>
+      </p:sp>
+      <p:cxnSp>
+        <p:nvCxnSpPr>
+          <p:cNvPr id="11" name="Straight Connector 10"/>
+          <p:cNvCxnSpPr/>
+          <p:nvPr/>
+        </p:nvCxnSpPr>
+        <p:spPr>
+          <a:xfrm>
+            <a:off x="7007629" y="1512420"/>
+            <a:ext cx="64509" cy="4414555"/>
+          </a:xfrm>
+          <a:prstGeom prst="line">
+            <a:avLst/>
+          </a:prstGeom>
+          <a:ln>
+            <a:prstDash val="dash"/>
+          </a:ln>
+        </p:spPr>
+        <p:style>
+          <a:lnRef idx="1">
+            <a:schemeClr val="accent1"/>
+          </a:lnRef>
+          <a:fillRef idx="0">
+            <a:schemeClr val="accent1"/>
+          </a:fillRef>
+          <a:effectRef idx="0">
+            <a:schemeClr val="accent1"/>
+          </a:effectRef>
+          <a:fontRef idx="minor">
+            <a:schemeClr val="tx1"/>
+          </a:fontRef>
+        </p:style>
+      </p:cxnSp>
+      <p:sp>
+        <p:nvSpPr>
+          <p:cNvPr id="53" name="Rounded Rectangle 52"/>
+          <p:cNvSpPr/>
+          <p:nvPr/>
+        </p:nvSpPr>
+        <p:spPr>
+          <a:xfrm>
+            <a:off x="8779873" y="1539250"/>
+            <a:ext cx="1109206" cy="196550"/>
+          </a:xfrm>
+          <a:prstGeom prst="roundRect">
+            <a:avLst/>
+          </a:prstGeom>
+          <a:solidFill>
+            <a:schemeClr val="accent3"/>
+          </a:solidFill>
+        </p:spPr>
+        <p:style>
+          <a:lnRef idx="2">
+            <a:schemeClr val="accent1">
+              <a:shade val="50000"/>
+            </a:schemeClr>
+          </a:lnRef>
+          <a:fillRef idx="1">
+            <a:schemeClr val="accent1"/>
+          </a:fillRef>
+          <a:effectRef idx="0">
+            <a:schemeClr val="accent1"/>
+          </a:effectRef>
+          <a:fontRef idx="minor">
+            <a:schemeClr val="lt1"/>
+          </a:fontRef>
+        </p:style>
+        <p:txBody>
+          <a:bodyPr rtlCol="0" anchor="ctr"/>
+          <a:lstStyle/>
+          <a:p>
+            <a:pPr algn="ctr"/>
+            <a:r>
+              <a:rPr lang="en-US" sz="1200" dirty="0" smtClean="0"/>
+              <a:t>Availabilities</a:t>
+            </a:r>
+            <a:endParaRPr lang="en-US" sz="1200" dirty="0"/>
+          </a:p>
+        </p:txBody>
+      </p:sp>
+      <p:sp>
+        <p:nvSpPr>
+          <p:cNvPr id="55" name="Rounded Rectangle 54"/>
+          <p:cNvSpPr/>
+          <p:nvPr/>
+        </p:nvSpPr>
+        <p:spPr>
+          <a:xfrm>
+            <a:off x="10177411" y="1530825"/>
+            <a:ext cx="1537304" cy="213401"/>
+          </a:xfrm>
+          <a:prstGeom prst="roundRect">
+            <a:avLst/>
+          </a:prstGeom>
+          <a:solidFill>
+            <a:schemeClr val="accent3"/>
+          </a:solidFill>
+        </p:spPr>
+        <p:style>
+          <a:lnRef idx="2">
+            <a:schemeClr val="accent1">
+              <a:shade val="50000"/>
+            </a:schemeClr>
+          </a:lnRef>
+          <a:fillRef idx="1">
+            <a:schemeClr val="accent1"/>
+          </a:fillRef>
+          <a:effectRef idx="0">
+            <a:schemeClr val="accent1"/>
+          </a:effectRef>
+          <a:fontRef idx="minor">
+            <a:schemeClr val="lt1"/>
+          </a:fontRef>
+        </p:style>
+        <p:txBody>
+          <a:bodyPr rtlCol="0" anchor="ctr"/>
+          <a:lstStyle/>
+          <a:p>
+            <a:pPr algn="ctr"/>
+            <a:r>
+              <a:rPr lang="en-US" sz="1200" dirty="0" smtClean="0"/>
+              <a:t>Admittance matrix</a:t>
+            </a:r>
+            <a:endParaRPr lang="en-US" sz="1200" dirty="0"/>
+          </a:p>
+        </p:txBody>
+      </p:sp>
+      <p:sp>
+        <p:nvSpPr>
+          <p:cNvPr id="56" name="Rounded Rectangle 55"/>
+          <p:cNvSpPr/>
+          <p:nvPr/>
+        </p:nvSpPr>
+        <p:spPr>
+          <a:xfrm>
+            <a:off x="5522922" y="3325527"/>
+            <a:ext cx="1109206" cy="196550"/>
+          </a:xfrm>
+          <a:prstGeom prst="roundRect">
+            <a:avLst/>
+          </a:prstGeom>
+        </p:spPr>
+        <p:style>
+          <a:lnRef idx="2">
+            <a:schemeClr val="accent1">
+              <a:shade val="50000"/>
+            </a:schemeClr>
+          </a:lnRef>
+          <a:fillRef idx="1">
+            <a:schemeClr val="accent1"/>
+          </a:fillRef>
+          <a:effectRef idx="0">
+            <a:schemeClr val="accent1"/>
+          </a:effectRef>
+          <a:fontRef idx="minor">
+            <a:schemeClr val="lt1"/>
+          </a:fontRef>
+        </p:style>
+        <p:txBody>
+          <a:bodyPr rtlCol="0" anchor="ctr"/>
+          <a:lstStyle/>
+          <a:p>
+            <a:pPr algn="ctr"/>
+            <a:r>
+              <a:rPr lang="en-US" sz="1200" dirty="0" smtClean="0"/>
+              <a:t>Hidden layer</a:t>
+            </a:r>
+            <a:endParaRPr lang="en-US" sz="1200" dirty="0"/>
+          </a:p>
+        </p:txBody>
+      </p:sp>
+      <p:grpSp>
+        <p:nvGrpSpPr>
+          <p:cNvPr id="57" name="Group 56"/>
+          <p:cNvGrpSpPr/>
+          <p:nvPr/>
+        </p:nvGrpSpPr>
+        <p:grpSpPr>
+          <a:xfrm>
+            <a:off x="8960009" y="3198480"/>
+            <a:ext cx="1020404" cy="370867"/>
+            <a:chOff x="7339451" y="1728010"/>
+            <a:chExt cx="1020404" cy="370867"/>
+          </a:xfrm>
+        </p:grpSpPr>
+        <p:sp>
+          <p:nvSpPr>
+            <p:cNvPr id="58" name="Oval 57"/>
+            <p:cNvSpPr/>
+            <p:nvPr/>
+          </p:nvSpPr>
+          <p:spPr>
+            <a:xfrm>
+              <a:off x="7339451" y="1885203"/>
+              <a:ext cx="246711" cy="213674"/>
+            </a:xfrm>
+            <a:prstGeom prst="ellipse">
+              <a:avLst/>
+            </a:prstGeom>
+          </p:spPr>
+          <p:style>
+            <a:lnRef idx="2">
+              <a:schemeClr val="accent1">
+                <a:shade val="50000"/>
+              </a:schemeClr>
+            </a:lnRef>
+            <a:fillRef idx="1">
+              <a:schemeClr val="accent1"/>
+            </a:fillRef>
+            <a:effectRef idx="0">
+              <a:schemeClr val="accent1"/>
+            </a:effectRef>
+            <a:fontRef idx="minor">
+              <a:schemeClr val="lt1"/>
+            </a:fontRef>
+          </p:style>
+          <p:txBody>
+            <a:bodyPr rtlCol="0" anchor="ctr"/>
+            <a:lstStyle/>
+            <a:p>
+              <a:pPr algn="ctr"/>
+              <a:endParaRPr lang="en-US"/>
+            </a:p>
+          </p:txBody>
+        </p:sp>
+        <p:sp>
+          <p:nvSpPr>
+            <p:cNvPr id="59" name="Oval 58"/>
+            <p:cNvSpPr/>
+            <p:nvPr/>
+          </p:nvSpPr>
+          <p:spPr>
+            <a:xfrm>
+              <a:off x="7600671" y="1885203"/>
+              <a:ext cx="246711" cy="213674"/>
+            </a:xfrm>
+            <a:prstGeom prst="ellipse">
+              <a:avLst/>
+            </a:prstGeom>
+          </p:spPr>
+          <p:style>
+            <a:lnRef idx="2">
+              <a:schemeClr val="accent1">
+                <a:shade val="50000"/>
+              </a:schemeClr>
+            </a:lnRef>
+            <a:fillRef idx="1">
+              <a:schemeClr val="accent1"/>
+            </a:fillRef>
+            <a:effectRef idx="0">
+              <a:schemeClr val="accent1"/>
+            </a:effectRef>
+            <a:fontRef idx="minor">
+              <a:schemeClr val="lt1"/>
+            </a:fontRef>
+          </p:style>
+          <p:txBody>
+            <a:bodyPr rtlCol="0" anchor="ctr"/>
+            <a:lstStyle/>
+            <a:p>
+              <a:pPr algn="ctr"/>
+              <a:endParaRPr lang="en-US"/>
+            </a:p>
+          </p:txBody>
+        </p:sp>
+        <p:sp>
+          <p:nvSpPr>
+            <p:cNvPr id="60" name="Oval 59"/>
+            <p:cNvSpPr/>
+            <p:nvPr/>
+          </p:nvSpPr>
+          <p:spPr>
+            <a:xfrm>
+              <a:off x="8113144" y="1885203"/>
+              <a:ext cx="246711" cy="213674"/>
+            </a:xfrm>
+            <a:prstGeom prst="ellipse">
+              <a:avLst/>
+            </a:prstGeom>
+          </p:spPr>
+          <p:style>
+            <a:lnRef idx="2">
+              <a:schemeClr val="accent1">
+                <a:shade val="50000"/>
+              </a:schemeClr>
+            </a:lnRef>
+            <a:fillRef idx="1">
+              <a:schemeClr val="accent1"/>
+            </a:fillRef>
+            <a:effectRef idx="0">
+              <a:schemeClr val="accent1"/>
+            </a:effectRef>
+            <a:fontRef idx="minor">
+              <a:schemeClr val="lt1"/>
+            </a:fontRef>
+          </p:style>
+          <p:txBody>
+            <a:bodyPr rtlCol="0" anchor="ctr"/>
+            <a:lstStyle/>
+            <a:p>
+              <a:pPr algn="ctr"/>
+              <a:endParaRPr lang="en-US"/>
+            </a:p>
+          </p:txBody>
+        </p:sp>
+        <p:sp>
+          <p:nvSpPr>
+            <p:cNvPr id="61" name="TextBox 60"/>
+            <p:cNvSpPr txBox="1"/>
+            <p:nvPr/>
+          </p:nvSpPr>
+          <p:spPr>
+            <a:xfrm>
+              <a:off x="7768774" y="1728010"/>
+              <a:ext cx="415499" cy="369332"/>
+            </a:xfrm>
+            <a:prstGeom prst="rect">
+              <a:avLst/>
+            </a:prstGeom>
+            <a:noFill/>
+          </p:spPr>
+          <p:txBody>
+            <a:bodyPr wrap="none" rtlCol="0" anchor="ctr">
+              <a:spAutoFit/>
+            </a:bodyPr>
+            <a:lstStyle/>
+            <a:p>
+              <a:pPr algn="ctr"/>
+              <a:r>
+                <a:rPr lang="en-US" dirty="0" smtClean="0"/>
+                <a:t>…</a:t>
+              </a:r>
+              <a:endParaRPr lang="en-US" dirty="0"/>
+            </a:p>
+          </p:txBody>
+        </p:sp>
+      </p:grpSp>
+      <p:cxnSp>
+        <p:nvCxnSpPr>
+          <p:cNvPr id="13" name="Straight Arrow Connector 12"/>
+          <p:cNvCxnSpPr>
+            <a:stCxn id="6" idx="4"/>
+            <a:endCxn id="58" idx="0"/>
+          </p:cNvCxnSpPr>
+          <p:nvPr/>
+        </p:nvCxnSpPr>
+        <p:spPr>
+          <a:xfrm>
+            <a:off x="7462807" y="2160330"/>
+            <a:ext cx="1620558" cy="1195343"/>
+          </a:xfrm>
+          <a:prstGeom prst="straightConnector1">
+            <a:avLst/>
+          </a:prstGeom>
+          <a:ln>
+            <a:tailEnd type="triangle"/>
+          </a:ln>
+        </p:spPr>
+        <p:style>
+          <a:lnRef idx="1">
+            <a:schemeClr val="accent1"/>
+          </a:lnRef>
+          <a:fillRef idx="0">
+            <a:schemeClr val="accent1"/>
+          </a:fillRef>
+          <a:effectRef idx="0">
+            <a:schemeClr val="accent1"/>
+          </a:effectRef>
+          <a:fontRef idx="minor">
+            <a:schemeClr val="tx1"/>
+          </a:fontRef>
+        </p:style>
+      </p:cxnSp>
+      <p:cxnSp>
+        <p:nvCxnSpPr>
+          <p:cNvPr id="17" name="Straight Arrow Connector 16"/>
+          <p:cNvCxnSpPr>
+            <a:stCxn id="9" idx="4"/>
+            <a:endCxn id="58" idx="0"/>
+          </p:cNvCxnSpPr>
+          <p:nvPr/>
+        </p:nvCxnSpPr>
+        <p:spPr>
+          <a:xfrm>
+            <a:off x="8236500" y="2160330"/>
+            <a:ext cx="846865" cy="1195343"/>
+          </a:xfrm>
+          <a:prstGeom prst="straightConnector1">
+            <a:avLst/>
+          </a:prstGeom>
+          <a:ln>
+            <a:tailEnd type="triangle"/>
+          </a:ln>
+        </p:spPr>
+        <p:style>
+          <a:lnRef idx="1">
+            <a:schemeClr val="accent1"/>
+          </a:lnRef>
+          <a:fillRef idx="0">
+            <a:schemeClr val="accent1"/>
+          </a:fillRef>
+          <a:effectRef idx="0">
+            <a:schemeClr val="accent1"/>
+          </a:effectRef>
+          <a:fontRef idx="minor">
+            <a:schemeClr val="tx1"/>
+          </a:fontRef>
+        </p:style>
+      </p:cxnSp>
+      <p:cxnSp>
+        <p:nvCxnSpPr>
+          <p:cNvPr id="19" name="Straight Arrow Connector 18"/>
+          <p:cNvCxnSpPr>
+            <a:stCxn id="37" idx="4"/>
+            <a:endCxn id="58" idx="0"/>
+          </p:cNvCxnSpPr>
+          <p:nvPr/>
+        </p:nvCxnSpPr>
+        <p:spPr>
+          <a:xfrm flipH="1">
+            <a:off x="9083365" y="2160330"/>
+            <a:ext cx="38466" cy="1195343"/>
+          </a:xfrm>
+          <a:prstGeom prst="straightConnector1">
+            <a:avLst/>
+          </a:prstGeom>
+          <a:ln>
+            <a:tailEnd type="triangle"/>
+          </a:ln>
+        </p:spPr>
+        <p:style>
+          <a:lnRef idx="1">
+            <a:schemeClr val="accent1"/>
+          </a:lnRef>
+          <a:fillRef idx="0">
+            <a:schemeClr val="accent1"/>
+          </a:fillRef>
+          <a:effectRef idx="0">
+            <a:schemeClr val="accent1"/>
+          </a:effectRef>
+          <a:fontRef idx="minor">
+            <a:schemeClr val="tx1"/>
+          </a:fontRef>
+        </p:style>
+      </p:cxnSp>
+      <p:cxnSp>
+        <p:nvCxnSpPr>
+          <p:cNvPr id="62" name="Straight Arrow Connector 61"/>
+          <p:cNvCxnSpPr/>
+          <p:nvPr/>
+        </p:nvCxnSpPr>
+        <p:spPr>
+          <a:xfrm flipH="1">
+            <a:off x="9626138" y="2160330"/>
+            <a:ext cx="2618" cy="17605"/>
+          </a:xfrm>
+          <a:prstGeom prst="straightConnector1">
+            <a:avLst/>
+          </a:prstGeom>
+          <a:ln>
+            <a:tailEnd type="triangle"/>
+          </a:ln>
+        </p:spPr>
+        <p:style>
+          <a:lnRef idx="1">
+            <a:schemeClr val="accent1"/>
+          </a:lnRef>
+          <a:fillRef idx="0">
+            <a:schemeClr val="accent1"/>
+          </a:fillRef>
+          <a:effectRef idx="0">
+            <a:schemeClr val="accent1"/>
+          </a:effectRef>
+          <a:fontRef idx="minor">
+            <a:schemeClr val="tx1"/>
+          </a:fontRef>
+        </p:style>
+      </p:cxnSp>
+      <p:cxnSp>
+        <p:nvCxnSpPr>
+          <p:cNvPr id="63" name="Straight Arrow Connector 62"/>
+          <p:cNvCxnSpPr>
+            <a:stCxn id="42" idx="4"/>
+            <a:endCxn id="58" idx="0"/>
+          </p:cNvCxnSpPr>
+          <p:nvPr/>
+        </p:nvCxnSpPr>
+        <p:spPr>
+          <a:xfrm flipH="1">
+            <a:off x="9083365" y="2160330"/>
+            <a:ext cx="1478123" cy="1195343"/>
+          </a:xfrm>
+          <a:prstGeom prst="straightConnector1">
+            <a:avLst/>
+          </a:prstGeom>
+          <a:ln>
+            <a:tailEnd type="triangle"/>
+          </a:ln>
+        </p:spPr>
+        <p:style>
+          <a:lnRef idx="1">
+            <a:schemeClr val="accent1"/>
+          </a:lnRef>
+          <a:fillRef idx="0">
+            <a:schemeClr val="accent1"/>
+          </a:fillRef>
+          <a:effectRef idx="0">
+            <a:schemeClr val="accent1"/>
+          </a:effectRef>
+          <a:fontRef idx="minor">
+            <a:schemeClr val="tx1"/>
+          </a:fontRef>
+        </p:style>
+      </p:cxnSp>
+      <p:cxnSp>
+        <p:nvCxnSpPr>
+          <p:cNvPr id="64" name="Straight Arrow Connector 63"/>
+          <p:cNvCxnSpPr>
+            <a:stCxn id="44" idx="4"/>
+            <a:endCxn id="58" idx="0"/>
+          </p:cNvCxnSpPr>
+          <p:nvPr/>
+        </p:nvCxnSpPr>
+        <p:spPr>
+          <a:xfrm flipH="1">
+            <a:off x="9083365" y="2160330"/>
+            <a:ext cx="2251816" cy="1195343"/>
+          </a:xfrm>
+          <a:prstGeom prst="straightConnector1">
+            <a:avLst/>
+          </a:prstGeom>
+          <a:ln>
+            <a:tailEnd type="triangle"/>
+          </a:ln>
+        </p:spPr>
+        <p:style>
+          <a:lnRef idx="1">
+            <a:schemeClr val="accent1"/>
+          </a:lnRef>
+          <a:fillRef idx="0">
+            <a:schemeClr val="accent1"/>
+          </a:fillRef>
+          <a:effectRef idx="0">
+            <a:schemeClr val="accent1"/>
+          </a:effectRef>
+          <a:fontRef idx="minor">
+            <a:schemeClr val="tx1"/>
+          </a:fontRef>
+        </p:style>
+      </p:cxnSp>
+      <p:cxnSp>
+        <p:nvCxnSpPr>
+          <p:cNvPr id="65" name="Straight Arrow Connector 64"/>
+          <p:cNvCxnSpPr>
+            <a:stCxn id="7" idx="4"/>
+            <a:endCxn id="59" idx="0"/>
+          </p:cNvCxnSpPr>
+          <p:nvPr/>
+        </p:nvCxnSpPr>
+        <p:spPr>
+          <a:xfrm>
+            <a:off x="7724027" y="2160330"/>
+            <a:ext cx="1620558" cy="1195343"/>
+          </a:xfrm>
+          <a:prstGeom prst="straightConnector1">
+            <a:avLst/>
+          </a:prstGeom>
+          <a:ln>
+            <a:tailEnd type="triangle"/>
+          </a:ln>
+        </p:spPr>
+        <p:style>
+          <a:lnRef idx="1">
+            <a:schemeClr val="accent1"/>
+          </a:lnRef>
+          <a:fillRef idx="0">
+            <a:schemeClr val="accent1"/>
+          </a:fillRef>
+          <a:effectRef idx="0">
+            <a:schemeClr val="accent1"/>
+          </a:effectRef>
+          <a:fontRef idx="minor">
+            <a:schemeClr val="tx1"/>
+          </a:fontRef>
+        </p:style>
+      </p:cxnSp>
+      <p:cxnSp>
+        <p:nvCxnSpPr>
+          <p:cNvPr id="67" name="Straight Arrow Connector 66"/>
+          <p:cNvCxnSpPr>
+            <a:stCxn id="25" idx="4"/>
+            <a:endCxn id="59" idx="0"/>
+          </p:cNvCxnSpPr>
+          <p:nvPr/>
+        </p:nvCxnSpPr>
+        <p:spPr>
+          <a:xfrm>
+            <a:off x="8860611" y="2160330"/>
+            <a:ext cx="483974" cy="1195343"/>
+          </a:xfrm>
+          <a:prstGeom prst="straightConnector1">
+            <a:avLst/>
+          </a:prstGeom>
+          <a:ln>
+            <a:tailEnd type="triangle"/>
+          </a:ln>
+        </p:spPr>
+        <p:style>
+          <a:lnRef idx="1">
+            <a:schemeClr val="accent1"/>
+          </a:lnRef>
+          <a:fillRef idx="0">
+            <a:schemeClr val="accent1"/>
+          </a:fillRef>
+          <a:effectRef idx="0">
+            <a:schemeClr val="accent1"/>
+          </a:effectRef>
+          <a:fontRef idx="minor">
+            <a:schemeClr val="tx1"/>
+          </a:fontRef>
+        </p:style>
+      </p:cxnSp>
+      <p:cxnSp>
+        <p:nvCxnSpPr>
+          <p:cNvPr id="86" name="Straight Arrow Connector 85"/>
+          <p:cNvCxnSpPr>
+            <a:endCxn id="59" idx="0"/>
+          </p:cNvCxnSpPr>
+          <p:nvPr/>
+        </p:nvCxnSpPr>
+        <p:spPr>
+          <a:xfrm flipH="1">
+            <a:off x="9344585" y="2188528"/>
+            <a:ext cx="289718" cy="1167145"/>
+          </a:xfrm>
+          <a:prstGeom prst="straightConnector1">
+            <a:avLst/>
+          </a:prstGeom>
+          <a:ln>
+            <a:tailEnd type="triangle"/>
+          </a:ln>
+        </p:spPr>
+        <p:style>
+          <a:lnRef idx="1">
+            <a:schemeClr val="accent1"/>
+          </a:lnRef>
+          <a:fillRef idx="0">
+            <a:schemeClr val="accent1"/>
+          </a:fillRef>
+          <a:effectRef idx="0">
+            <a:schemeClr val="accent1"/>
+          </a:effectRef>
+          <a:fontRef idx="minor">
+            <a:schemeClr val="tx1"/>
+          </a:fontRef>
+        </p:style>
+      </p:cxnSp>
+      <p:cxnSp>
+        <p:nvCxnSpPr>
+          <p:cNvPr id="87" name="Straight Arrow Connector 86"/>
+          <p:cNvCxnSpPr>
+            <a:stCxn id="43" idx="4"/>
+            <a:endCxn id="59" idx="0"/>
+          </p:cNvCxnSpPr>
+          <p:nvPr/>
+        </p:nvCxnSpPr>
+        <p:spPr>
+          <a:xfrm flipH="1">
+            <a:off x="9344585" y="2160330"/>
+            <a:ext cx="1478123" cy="1195343"/>
+          </a:xfrm>
+          <a:prstGeom prst="straightConnector1">
+            <a:avLst/>
+          </a:prstGeom>
+          <a:ln>
+            <a:tailEnd type="triangle"/>
+          </a:ln>
+        </p:spPr>
+        <p:style>
+          <a:lnRef idx="1">
+            <a:schemeClr val="accent1"/>
+          </a:lnRef>
+          <a:fillRef idx="0">
+            <a:schemeClr val="accent1"/>
+          </a:fillRef>
+          <a:effectRef idx="0">
+            <a:schemeClr val="accent1"/>
+          </a:effectRef>
+          <a:fontRef idx="minor">
+            <a:schemeClr val="tx1"/>
+          </a:fontRef>
+        </p:style>
+      </p:cxnSp>
+      <p:cxnSp>
+        <p:nvCxnSpPr>
+          <p:cNvPr id="88" name="Straight Arrow Connector 87"/>
+          <p:cNvCxnSpPr>
+            <a:stCxn id="44" idx="4"/>
+            <a:endCxn id="60" idx="0"/>
+          </p:cNvCxnSpPr>
+          <p:nvPr/>
+        </p:nvCxnSpPr>
+        <p:spPr>
+          <a:xfrm flipH="1">
+            <a:off x="9857058" y="2160330"/>
+            <a:ext cx="1478123" cy="1195343"/>
+          </a:xfrm>
+          <a:prstGeom prst="straightConnector1">
+            <a:avLst/>
+          </a:prstGeom>
+          <a:ln>
+            <a:tailEnd type="triangle"/>
+          </a:ln>
+        </p:spPr>
+        <p:style>
+          <a:lnRef idx="1">
+            <a:schemeClr val="accent1"/>
+          </a:lnRef>
+          <a:fillRef idx="0">
+            <a:schemeClr val="accent1"/>
+          </a:fillRef>
+          <a:effectRef idx="0">
+            <a:schemeClr val="accent1"/>
+          </a:effectRef>
+          <a:fontRef idx="minor">
+            <a:schemeClr val="tx1"/>
+          </a:fontRef>
+        </p:style>
+      </p:cxnSp>
+      <p:cxnSp>
+        <p:nvCxnSpPr>
+          <p:cNvPr id="89" name="Straight Arrow Connector 88"/>
+          <p:cNvCxnSpPr>
+            <a:stCxn id="39" idx="4"/>
+            <a:endCxn id="60" idx="0"/>
+          </p:cNvCxnSpPr>
+          <p:nvPr/>
+        </p:nvCxnSpPr>
+        <p:spPr>
+          <a:xfrm>
+            <a:off x="9634304" y="2160330"/>
+            <a:ext cx="222754" cy="1195343"/>
+          </a:xfrm>
+          <a:prstGeom prst="straightConnector1">
+            <a:avLst/>
+          </a:prstGeom>
+          <a:ln>
+            <a:tailEnd type="triangle"/>
+          </a:ln>
+        </p:spPr>
+        <p:style>
+          <a:lnRef idx="1">
+            <a:schemeClr val="accent1"/>
+          </a:lnRef>
+          <a:fillRef idx="0">
+            <a:schemeClr val="accent1"/>
+          </a:fillRef>
+          <a:effectRef idx="0">
+            <a:schemeClr val="accent1"/>
+          </a:effectRef>
+          <a:fontRef idx="minor">
+            <a:schemeClr val="tx1"/>
+          </a:fontRef>
+        </p:style>
+      </p:cxnSp>
+      <p:cxnSp>
+        <p:nvCxnSpPr>
+          <p:cNvPr id="90" name="Straight Arrow Connector 89"/>
+          <p:cNvCxnSpPr>
+            <a:stCxn id="59" idx="4"/>
+            <a:endCxn id="23" idx="0"/>
+          </p:cNvCxnSpPr>
+          <p:nvPr/>
+        </p:nvCxnSpPr>
+        <p:spPr>
+          <a:xfrm>
+            <a:off x="9344585" y="3569347"/>
+            <a:ext cx="170372" cy="1900314"/>
+          </a:xfrm>
+          <a:prstGeom prst="straightConnector1">
+            <a:avLst/>
+          </a:prstGeom>
+          <a:ln>
+            <a:tailEnd type="triangle"/>
+          </a:ln>
+        </p:spPr>
+        <p:style>
+          <a:lnRef idx="1">
+            <a:schemeClr val="accent1"/>
+          </a:lnRef>
+          <a:fillRef idx="0">
+            <a:schemeClr val="accent1"/>
+          </a:fillRef>
+          <a:effectRef idx="0">
+            <a:schemeClr val="accent1"/>
+          </a:effectRef>
+          <a:fontRef idx="minor">
+            <a:schemeClr val="tx1"/>
+          </a:fontRef>
+        </p:style>
+      </p:cxnSp>
+      <p:cxnSp>
+        <p:nvCxnSpPr>
+          <p:cNvPr id="91" name="Straight Arrow Connector 90"/>
+          <p:cNvCxnSpPr>
+            <a:stCxn id="58" idx="4"/>
+            <a:endCxn id="23" idx="0"/>
+          </p:cNvCxnSpPr>
+          <p:nvPr/>
+        </p:nvCxnSpPr>
+        <p:spPr>
+          <a:xfrm>
+            <a:off x="9083365" y="3569347"/>
+            <a:ext cx="431592" cy="1900314"/>
+          </a:xfrm>
+          <a:prstGeom prst="straightConnector1">
+            <a:avLst/>
+          </a:prstGeom>
+          <a:ln>
+            <a:tailEnd type="triangle"/>
+          </a:ln>
+        </p:spPr>
+        <p:style>
+          <a:lnRef idx="1">
+            <a:schemeClr val="accent1"/>
+          </a:lnRef>
+          <a:fillRef idx="0">
+            <a:schemeClr val="accent1"/>
+          </a:fillRef>
+          <a:effectRef idx="0">
+            <a:schemeClr val="accent1"/>
+          </a:effectRef>
+          <a:fontRef idx="minor">
+            <a:schemeClr val="tx1"/>
+          </a:fontRef>
+        </p:style>
+      </p:cxnSp>
+      <p:cxnSp>
+        <p:nvCxnSpPr>
+          <p:cNvPr id="92" name="Straight Arrow Connector 91"/>
+          <p:cNvCxnSpPr>
+            <a:stCxn id="60" idx="4"/>
+            <a:endCxn id="23" idx="0"/>
+          </p:cNvCxnSpPr>
+          <p:nvPr/>
+        </p:nvCxnSpPr>
+        <p:spPr>
+          <a:xfrm flipH="1">
+            <a:off x="9514957" y="3569347"/>
+            <a:ext cx="342101" cy="1900314"/>
+          </a:xfrm>
+          <a:prstGeom prst="straightConnector1">
+            <a:avLst/>
+          </a:prstGeom>
+          <a:ln>
+            <a:tailEnd type="triangle"/>
+          </a:ln>
+        </p:spPr>
+        <p:style>
+          <a:lnRef idx="1">
+            <a:schemeClr val="accent1"/>
+          </a:lnRef>
+          <a:fillRef idx="0">
+            <a:schemeClr val="accent1"/>
+          </a:fillRef>
+          <a:effectRef idx="0">
+            <a:schemeClr val="accent1"/>
+          </a:effectRef>
+          <a:fontRef idx="minor">
+            <a:schemeClr val="tx1"/>
+          </a:fontRef>
+        </p:style>
+      </p:cxnSp>
+      <p:sp>
+        <p:nvSpPr>
+          <p:cNvPr id="114" name="Rounded Rectangle 113"/>
+          <p:cNvSpPr/>
+          <p:nvPr/>
+        </p:nvSpPr>
+        <p:spPr>
+          <a:xfrm>
+            <a:off x="8304047" y="5765290"/>
+            <a:ext cx="2421820" cy="213401"/>
+          </a:xfrm>
+          <a:prstGeom prst="roundRect">
+            <a:avLst/>
+          </a:prstGeom>
+          <a:solidFill>
+            <a:schemeClr val="accent3"/>
+          </a:solidFill>
+        </p:spPr>
+        <p:style>
+          <a:lnRef idx="2">
+            <a:schemeClr val="accent1">
+              <a:shade val="50000"/>
+            </a:schemeClr>
+          </a:lnRef>
+          <a:fillRef idx="1">
+            <a:schemeClr val="accent1"/>
+          </a:fillRef>
+          <a:effectRef idx="0">
+            <a:schemeClr val="accent1"/>
+          </a:effectRef>
+          <a:fontRef idx="minor">
+            <a:schemeClr val="lt1"/>
+          </a:fontRef>
+        </p:style>
+        <p:txBody>
+          <a:bodyPr rtlCol="0" anchor="ctr"/>
+          <a:lstStyle/>
+          <a:p>
+            <a:pPr algn="ctr"/>
+            <a:r>
+              <a:rPr lang="en-US" sz="1200" dirty="0" smtClean="0"/>
+              <a:t>Operational cost for one hour</a:t>
+            </a:r>
+            <a:endParaRPr lang="en-US" sz="1200" dirty="0"/>
           </a:p>
         </p:txBody>
       </p:sp>
@@ -20833,6 +22588,15 @@
 </file>
 
 <file path=customXml/item1.xml><?xml version="1.0" encoding="utf-8"?>
+<?mso-contentType ?>
+<FormTemplates xmlns="http://schemas.microsoft.com/sharepoint/v3/contenttype/forms">
+  <Display>DocumentLibraryForm</Display>
+  <Edit>DocumentLibraryForm</Edit>
+  <New>DocumentLibraryForm</New>
+</FormTemplates>
+</file>
+
+<file path=customXml/item2.xml><?xml version="1.0" encoding="utf-8"?>
 <ct:contentTypeSchema xmlns:ct="http://schemas.microsoft.com/office/2006/metadata/contentType" xmlns:ma="http://schemas.microsoft.com/office/2006/metadata/properties/metaAttributes" ct:_="" ma:_="" ma:contentTypeName="Document" ma:contentTypeID="0x010100AF89B70DD9C08446A8443DF534F7285E" ma:contentTypeVersion="13" ma:contentTypeDescription="Create a new document." ma:contentTypeScope="" ma:versionID="ecc4e1277db930f2a9760bc5b361f436">
   <xsd:schema xmlns:xsd="http://www.w3.org/2001/XMLSchema" xmlns:xs="http://www.w3.org/2001/XMLSchema" xmlns:p="http://schemas.microsoft.com/office/2006/metadata/properties" xmlns:ns3="fd689c1b-2561-4a46-ae04-6449f963ff76" xmlns:ns4="04677cab-20cd-44d8-974c-14c664890eaa" targetNamespace="http://schemas.microsoft.com/office/2006/metadata/properties" ma:root="true" ma:fieldsID="494f09148d3a63d1912cdfb9c603bec2" ns3:_="" ns4:_="">
     <xsd:import namespace="fd689c1b-2561-4a46-ae04-6449f963ff76"/>
@@ -21053,7 +22817,7 @@
 </ct:contentTypeSchema>
 </file>
 
-<file path=customXml/item2.xml><?xml version="1.0" encoding="utf-8"?>
+<file path=customXml/item3.xml><?xml version="1.0" encoding="utf-8"?>
 <p:properties xmlns:p="http://schemas.microsoft.com/office/2006/metadata/properties" xmlns:xsi="http://www.w3.org/2001/XMLSchema-instance" xmlns:pc="http://schemas.microsoft.com/office/infopath/2007/PartnerControls">
   <documentManagement>
     <_activity xmlns="fd689c1b-2561-4a46-ae04-6449f963ff76" xsi:nil="true"/>
@@ -21061,16 +22825,15 @@
 </p:properties>
 </file>
 
-<file path=customXml/item3.xml><?xml version="1.0" encoding="utf-8"?>
-<?mso-contentType ?>
-<FormTemplates xmlns="http://schemas.microsoft.com/sharepoint/v3/contenttype/forms">
-  <Display>DocumentLibraryForm</Display>
-  <Edit>DocumentLibraryForm</Edit>
-  <New>DocumentLibraryForm</New>
-</FormTemplates>
+<file path=customXml/itemProps1.xml><?xml version="1.0" encoding="utf-8"?>
+<ds:datastoreItem xmlns:ds="http://schemas.openxmlformats.org/officeDocument/2006/customXml" ds:itemID="{754D1958-5725-488F-A4D5-DA9E8FDB5252}">
+  <ds:schemaRefs>
+    <ds:schemaRef ds:uri="http://schemas.microsoft.com/sharepoint/v3/contenttype/forms"/>
+  </ds:schemaRefs>
+</ds:datastoreItem>
 </file>
 
-<file path=customXml/itemProps1.xml><?xml version="1.0" encoding="utf-8"?>
+<file path=customXml/itemProps2.xml><?xml version="1.0" encoding="utf-8"?>
 <ds:datastoreItem xmlns:ds="http://schemas.openxmlformats.org/officeDocument/2006/customXml" ds:itemID="{038AB51F-98E0-4779-8180-600DAF31B4BF}">
   <ds:schemaRefs>
     <ds:schemaRef ds:uri="http://schemas.microsoft.com/office/2006/metadata/contentType"/>
@@ -21089,27 +22852,19 @@
 </ds:datastoreItem>
 </file>
 
-<file path=customXml/itemProps2.xml><?xml version="1.0" encoding="utf-8"?>
+<file path=customXml/itemProps3.xml><?xml version="1.0" encoding="utf-8"?>
 <ds:datastoreItem xmlns:ds="http://schemas.openxmlformats.org/officeDocument/2006/customXml" ds:itemID="{6D3CDF3A-BF48-4B5B-B3E9-7B37F916BE05}">
   <ds:schemaRefs>
     <ds:schemaRef ds:uri="http://purl.org/dc/terms/"/>
-    <ds:schemaRef ds:uri="http://schemas.openxmlformats.org/package/2006/metadata/core-properties"/>
+    <ds:schemaRef ds:uri="http://schemas.microsoft.com/office/2006/documentManagement/types"/>
     <ds:schemaRef ds:uri="http://purl.org/dc/dcmitype/"/>
     <ds:schemaRef ds:uri="http://schemas.microsoft.com/office/infopath/2007/PartnerControls"/>
     <ds:schemaRef ds:uri="http://purl.org/dc/elements/1.1/"/>
     <ds:schemaRef ds:uri="http://schemas.microsoft.com/office/2006/metadata/properties"/>
     <ds:schemaRef ds:uri="04677cab-20cd-44d8-974c-14c664890eaa"/>
-    <ds:schemaRef ds:uri="http://schemas.microsoft.com/office/2006/documentManagement/types"/>
     <ds:schemaRef ds:uri="fd689c1b-2561-4a46-ae04-6449f963ff76"/>
+    <ds:schemaRef ds:uri="http://schemas.openxmlformats.org/package/2006/metadata/core-properties"/>
     <ds:schemaRef ds:uri="http://www.w3.org/XML/1998/namespace"/>
   </ds:schemaRefs>
 </ds:datastoreItem>
-</file>
-
-<file path=customXml/itemProps3.xml><?xml version="1.0" encoding="utf-8"?>
-<ds:datastoreItem xmlns:ds="http://schemas.openxmlformats.org/officeDocument/2006/customXml" ds:itemID="{754D1958-5725-488F-A4D5-DA9E8FDB5252}">
-  <ds:schemaRefs>
-    <ds:schemaRef ds:uri="http://schemas.microsoft.com/sharepoint/v3/contenttype/forms"/>
-  </ds:schemaRefs>
-</ds:datastoreItem>
 </file>
--- a/02. Presentations/PresentationGroup_KP.pptx
+++ b/02. Presentations/PresentationGroup_KP.pptx
@@ -6,10 +6,10 @@
     <p:sldMasterId id="2147483694" r:id="rId5"/>
   </p:sldMasterIdLst>
   <p:notesMasterIdLst>
-    <p:notesMasterId r:id="rId16"/>
+    <p:notesMasterId r:id="rId20"/>
   </p:notesMasterIdLst>
   <p:handoutMasterIdLst>
-    <p:handoutMasterId r:id="rId17"/>
+    <p:handoutMasterId r:id="rId21"/>
   </p:handoutMasterIdLst>
   <p:sldIdLst>
     <p:sldId id="269" r:id="rId6"/>
@@ -22,6 +22,10 @@
     <p:sldId id="276" r:id="rId13"/>
     <p:sldId id="281" r:id="rId14"/>
     <p:sldId id="282" r:id="rId15"/>
+    <p:sldId id="283" r:id="rId16"/>
+    <p:sldId id="284" r:id="rId17"/>
+    <p:sldId id="285" r:id="rId18"/>
+    <p:sldId id="286" r:id="rId19"/>
   </p:sldIdLst>
   <p:sldSz cx="12192000" cy="6858000"/>
   <p:notesSz cx="6858000" cy="9144000"/>
@@ -213,7 +217,7 @@
           <a:p>
             <a:fld id="{8F591CCF-F6FD-734B-854A-5BC033593B1E}" type="datetimeFigureOut">
               <a:rPr lang="nl-NL" smtClean="0"/>
-              <a:t>11-7-2023</a:t>
+              <a:t>12-7-2023</a:t>
             </a:fld>
             <a:endParaRPr lang="nl-NL"/>
           </a:p>
@@ -378,7 +382,7 @@
           <a:p>
             <a:fld id="{23C66214-DB21-4647-B5DA-0D17CA592867}" type="datetimeFigureOut">
               <a:rPr lang="nl-NL" smtClean="0"/>
-              <a:t>11-7-2023</a:t>
+              <a:t>12-7-2023</a:t>
             </a:fld>
             <a:endParaRPr lang="nl-NL"/>
           </a:p>
@@ -1367,7 +1371,7 @@
           <a:p>
             <a:fld id="{DEF7A732-A4AD-4522-B2BE-EB7057D7CF5F}" type="datetime1">
               <a:rPr lang="nl-BE" smtClean="0"/>
-              <a:t>11/07/2023</a:t>
+              <a:t>12/07/2023</a:t>
             </a:fld>
             <a:endParaRPr lang="nl-NL"/>
           </a:p>
@@ -1650,7 +1654,7 @@
           <a:p>
             <a:fld id="{786B981F-AC8F-4D0A-9D3D-054EDA1A26C8}" type="datetime1">
               <a:rPr lang="nl-BE" smtClean="0"/>
-              <a:t>11/07/2023</a:t>
+              <a:t>12/07/2023</a:t>
             </a:fld>
             <a:endParaRPr lang="nl-NL"/>
           </a:p>
@@ -1980,7 +1984,7 @@
           <a:p>
             <a:fld id="{774E5DA5-416E-40CD-977F-95B9AE6C400A}" type="datetime1">
               <a:rPr lang="nl-BE" smtClean="0"/>
-              <a:t>11/07/2023</a:t>
+              <a:t>12/07/2023</a:t>
             </a:fld>
             <a:endParaRPr lang="nl-NL"/>
           </a:p>
@@ -2299,7 +2303,7 @@
           <a:p>
             <a:fld id="{9AB00FA2-5D8E-4EFA-B553-8ED3D3357851}" type="datetime1">
               <a:rPr lang="nl-BE" smtClean="0"/>
-              <a:t>11/07/2023</a:t>
+              <a:t>12/07/2023</a:t>
             </a:fld>
             <a:endParaRPr lang="nl-NL" dirty="0"/>
           </a:p>
@@ -2620,7 +2624,7 @@
           <a:p>
             <a:fld id="{58F13653-D054-4682-85A4-34FDEC5F4E36}" type="datetime1">
               <a:rPr lang="nl-BE" smtClean="0"/>
-              <a:t>11/07/2023</a:t>
+              <a:t>12/07/2023</a:t>
             </a:fld>
             <a:endParaRPr lang="nl-NL" dirty="0"/>
           </a:p>
@@ -2762,7 +2766,7 @@
           <a:p>
             <a:fld id="{62E91AFE-9FCE-477A-9124-C4B80AEF48C7}" type="datetime1">
               <a:rPr lang="nl-BE" smtClean="0"/>
-              <a:t>11/07/2023</a:t>
+              <a:t>12/07/2023</a:t>
             </a:fld>
             <a:endParaRPr lang="nl-NL"/>
           </a:p>
@@ -3246,7 +3250,7 @@
           <a:p>
             <a:fld id="{1C033EDC-A3F7-4F7C-85EB-8F5252324348}" type="datetime1">
               <a:rPr lang="nl-BE" smtClean="0"/>
-              <a:t>11/07/2023</a:t>
+              <a:t>12/07/2023</a:t>
             </a:fld>
             <a:endParaRPr lang="nl-NL" dirty="0"/>
           </a:p>
@@ -3367,7 +3371,7 @@
           <a:p>
             <a:fld id="{6E56B198-CB76-44C8-8B8B-C32C5E4E9FF6}" type="datetime1">
               <a:rPr lang="nl-BE" smtClean="0"/>
-              <a:t>11/07/2023</a:t>
+              <a:t>12/07/2023</a:t>
             </a:fld>
             <a:endParaRPr lang="nl-NL"/>
           </a:p>
@@ -3488,7 +3492,7 @@
           <a:p>
             <a:fld id="{B0F646BC-7054-4704-BB7B-A94419D9C564}" type="datetime1">
               <a:rPr lang="nl-BE" smtClean="0"/>
-              <a:t>11/07/2023</a:t>
+              <a:t>12/07/2023</a:t>
             </a:fld>
             <a:endParaRPr lang="nl-NL"/>
           </a:p>
@@ -3670,7 +3674,7 @@
           <a:p>
             <a:fld id="{A40E7283-2893-48B2-890F-992993862CB2}" type="datetime1">
               <a:rPr lang="nl-BE" smtClean="0"/>
-              <a:t>11/07/2023</a:t>
+              <a:t>12/07/2023</a:t>
             </a:fld>
             <a:endParaRPr lang="nl-NL" dirty="0"/>
           </a:p>
@@ -3954,7 +3958,7 @@
           <a:p>
             <a:fld id="{B056CF81-9F3E-4E96-937E-A73BA19B8937}" type="datetime1">
               <a:rPr lang="nl-BE" smtClean="0"/>
-              <a:t>11/07/2023</a:t>
+              <a:t>12/07/2023</a:t>
             </a:fld>
             <a:endParaRPr lang="nl-NL" dirty="0"/>
           </a:p>
@@ -4595,7 +4599,7 @@
           <a:p>
             <a:fld id="{D0089BD7-EA0B-4494-9FFF-95E6CEB32087}" type="datetime1">
               <a:rPr lang="nl-BE" smtClean="0"/>
-              <a:t>11/07/2023</a:t>
+              <a:t>12/07/2023</a:t>
             </a:fld>
             <a:endParaRPr lang="nl-NL" dirty="0"/>
           </a:p>
@@ -5265,6 +5269,861 @@
     <p:extLst>
       <p:ext uri="{BB962C8B-B14F-4D97-AF65-F5344CB8AC3E}">
         <p14:creationId xmlns:p14="http://schemas.microsoft.com/office/powerpoint/2010/main" val="4078915702"/>
+      </p:ext>
+    </p:extLst>
+  </p:cSld>
+  <p:clrMapOvr>
+    <a:masterClrMapping/>
+  </p:clrMapOvr>
+</p:sld>
+</file>
+
+<file path=ppt/slides/slide11.xml><?xml version="1.0" encoding="utf-8"?>
+<p:sld xmlns:a="http://schemas.openxmlformats.org/drawingml/2006/main" xmlns:r="http://schemas.openxmlformats.org/officeDocument/2006/relationships" xmlns:p="http://schemas.openxmlformats.org/presentationml/2006/main">
+  <p:cSld>
+    <p:spTree>
+      <p:nvGrpSpPr>
+        <p:cNvPr id="1" name=""/>
+        <p:cNvGrpSpPr/>
+        <p:nvPr/>
+      </p:nvGrpSpPr>
+      <p:grpSpPr>
+        <a:xfrm>
+          <a:off x="0" y="0"/>
+          <a:ext cx="0" cy="0"/>
+          <a:chOff x="0" y="0"/>
+          <a:chExt cx="0" cy="0"/>
+        </a:xfrm>
+      </p:grpSpPr>
+      <p:sp>
+        <p:nvSpPr>
+          <p:cNvPr id="2" name="Content Placeholder 1"/>
+          <p:cNvSpPr>
+            <a:spLocks noGrp="1"/>
+          </p:cNvSpPr>
+          <p:nvPr>
+            <p:ph idx="1"/>
+          </p:nvPr>
+        </p:nvSpPr>
+        <p:spPr>
+          <a:xfrm>
+            <a:off x="576000" y="1656000"/>
+            <a:ext cx="6443109" cy="4464000"/>
+          </a:xfrm>
+        </p:spPr>
+        <p:txBody>
+          <a:bodyPr/>
+          <a:lstStyle/>
+          <a:p>
+            <a:r>
+              <a:rPr lang="en-US" dirty="0" smtClean="0"/>
+              <a:t>Estimation of operational cost for 24 bus system </a:t>
+            </a:r>
+          </a:p>
+          <a:p>
+            <a:endParaRPr lang="en-US" dirty="0"/>
+          </a:p>
+          <a:p>
+            <a:r>
+              <a:rPr lang="en-US" dirty="0" smtClean="0"/>
+              <a:t>Time dependency is reproduced, but predictions are not perfect </a:t>
+            </a:r>
+          </a:p>
+          <a:p>
+            <a:endParaRPr lang="en-US" dirty="0"/>
+          </a:p>
+          <a:p>
+            <a:r>
+              <a:rPr lang="en-US" dirty="0" smtClean="0"/>
+              <a:t>More complex networks (more hidden layers) seem to be performing better</a:t>
+            </a:r>
+            <a:endParaRPr lang="en-US" dirty="0"/>
+          </a:p>
+        </p:txBody>
+      </p:sp>
+      <p:sp>
+        <p:nvSpPr>
+          <p:cNvPr id="3" name="Footer Placeholder 2"/>
+          <p:cNvSpPr>
+            <a:spLocks noGrp="1"/>
+          </p:cNvSpPr>
+          <p:nvPr>
+            <p:ph type="ftr" sz="quarter" idx="11"/>
+          </p:nvPr>
+        </p:nvSpPr>
+        <p:spPr/>
+        <p:txBody>
+          <a:bodyPr/>
+          <a:lstStyle/>
+          <a:p>
+            <a:r>
+              <a:rPr lang="nl-NL" smtClean="0"/>
+              <a:t>Ingenieurswetenschappen, Werktuigkunde, TME</a:t>
+            </a:r>
+            <a:endParaRPr lang="nl-NL"/>
+          </a:p>
+        </p:txBody>
+      </p:sp>
+      <p:sp>
+        <p:nvSpPr>
+          <p:cNvPr id="4" name="Slide Number Placeholder 3"/>
+          <p:cNvSpPr>
+            <a:spLocks noGrp="1"/>
+          </p:cNvSpPr>
+          <p:nvPr>
+            <p:ph type="sldNum" sz="quarter" idx="12"/>
+          </p:nvPr>
+        </p:nvSpPr>
+        <p:spPr/>
+        <p:txBody>
+          <a:bodyPr/>
+          <a:lstStyle/>
+          <a:p>
+            <a:fld id="{0A297500-7527-634B-90F4-69D0994C32B4}" type="slidenum">
+              <a:rPr lang="nl-NL" smtClean="0"/>
+              <a:t>11</a:t>
+            </a:fld>
+            <a:endParaRPr lang="nl-NL"/>
+          </a:p>
+        </p:txBody>
+      </p:sp>
+      <p:sp>
+        <p:nvSpPr>
+          <p:cNvPr id="5" name="Title 4"/>
+          <p:cNvSpPr>
+            <a:spLocks noGrp="1"/>
+          </p:cNvSpPr>
+          <p:nvPr>
+            <p:ph type="title"/>
+          </p:nvPr>
+        </p:nvSpPr>
+        <p:spPr>
+          <a:xfrm>
+            <a:off x="576000" y="207036"/>
+            <a:ext cx="5674577" cy="1152000"/>
+          </a:xfrm>
+        </p:spPr>
+        <p:txBody>
+          <a:bodyPr>
+            <a:normAutofit fontScale="90000"/>
+          </a:bodyPr>
+          <a:lstStyle/>
+          <a:p>
+            <a:r>
+              <a:rPr lang="en-US" dirty="0" smtClean="0"/>
+              <a:t>NN estimates: preliminary results</a:t>
+            </a:r>
+            <a:endParaRPr lang="en-US" dirty="0"/>
+          </a:p>
+        </p:txBody>
+      </p:sp>
+      <p:grpSp>
+        <p:nvGrpSpPr>
+          <p:cNvPr id="9" name="Group 8"/>
+          <p:cNvGrpSpPr/>
+          <p:nvPr/>
+        </p:nvGrpSpPr>
+        <p:grpSpPr>
+          <a:xfrm>
+            <a:off x="7916090" y="539213"/>
+            <a:ext cx="4099561" cy="5580787"/>
+            <a:chOff x="7315200" y="232608"/>
+            <a:chExt cx="4654732" cy="6928785"/>
+          </a:xfrm>
+        </p:grpSpPr>
+        <p:pic>
+          <p:nvPicPr>
+            <p:cNvPr id="7" name="Picture 6"/>
+            <p:cNvPicPr>
+              <a:picLocks noChangeAspect="1"/>
+            </p:cNvPicPr>
+            <p:nvPr/>
+          </p:nvPicPr>
+          <p:blipFill>
+            <a:blip r:embed="rId2">
+              <a:extLst>
+                <a:ext uri="{28A0092B-C50C-407E-A947-70E740481C1C}">
+                  <a14:useLocalDpi xmlns:a14="http://schemas.microsoft.com/office/drawing/2010/main" val="0"/>
+                </a:ext>
+              </a:extLst>
+            </a:blip>
+            <a:stretch>
+              <a:fillRect/>
+            </a:stretch>
+          </p:blipFill>
+          <p:spPr>
+            <a:xfrm>
+              <a:off x="7315200" y="232608"/>
+              <a:ext cx="4654732" cy="3491049"/>
+            </a:xfrm>
+            <a:prstGeom prst="rect">
+              <a:avLst/>
+            </a:prstGeom>
+          </p:spPr>
+        </p:pic>
+        <p:pic>
+          <p:nvPicPr>
+            <p:cNvPr id="8" name="Picture 7"/>
+            <p:cNvPicPr>
+              <a:picLocks noChangeAspect="1"/>
+            </p:cNvPicPr>
+            <p:nvPr/>
+          </p:nvPicPr>
+          <p:blipFill>
+            <a:blip r:embed="rId3">
+              <a:extLst>
+                <a:ext uri="{28A0092B-C50C-407E-A947-70E740481C1C}">
+                  <a14:useLocalDpi xmlns:a14="http://schemas.microsoft.com/office/drawing/2010/main" val="0"/>
+                </a:ext>
+              </a:extLst>
+            </a:blip>
+            <a:stretch>
+              <a:fillRect/>
+            </a:stretch>
+          </p:blipFill>
+          <p:spPr>
+            <a:xfrm>
+              <a:off x="7315200" y="3670344"/>
+              <a:ext cx="4654732" cy="3491049"/>
+            </a:xfrm>
+            <a:prstGeom prst="rect">
+              <a:avLst/>
+            </a:prstGeom>
+          </p:spPr>
+        </p:pic>
+      </p:grpSp>
+      <p:sp>
+        <p:nvSpPr>
+          <p:cNvPr id="10" name="TextBox 9"/>
+          <p:cNvSpPr txBox="1"/>
+          <p:nvPr/>
+        </p:nvSpPr>
+        <p:spPr>
+          <a:xfrm>
+            <a:off x="9431382" y="510661"/>
+            <a:ext cx="1381532" cy="369332"/>
+          </a:xfrm>
+          <a:prstGeom prst="rect">
+            <a:avLst/>
+          </a:prstGeom>
+          <a:noFill/>
+        </p:spPr>
+        <p:txBody>
+          <a:bodyPr wrap="none" rtlCol="0">
+            <a:spAutoFit/>
+          </a:bodyPr>
+          <a:lstStyle/>
+          <a:p>
+            <a:r>
+              <a:rPr lang="en-US" dirty="0" smtClean="0"/>
+              <a:t>Training set</a:t>
+            </a:r>
+            <a:endParaRPr lang="en-US" dirty="0"/>
+          </a:p>
+        </p:txBody>
+      </p:sp>
+      <p:sp>
+        <p:nvSpPr>
+          <p:cNvPr id="11" name="TextBox 10"/>
+          <p:cNvSpPr txBox="1"/>
+          <p:nvPr/>
+        </p:nvSpPr>
+        <p:spPr>
+          <a:xfrm>
+            <a:off x="9632238" y="3308136"/>
+            <a:ext cx="979820" cy="369332"/>
+          </a:xfrm>
+          <a:prstGeom prst="rect">
+            <a:avLst/>
+          </a:prstGeom>
+          <a:noFill/>
+        </p:spPr>
+        <p:txBody>
+          <a:bodyPr wrap="none" rtlCol="0">
+            <a:spAutoFit/>
+          </a:bodyPr>
+          <a:lstStyle/>
+          <a:p>
+            <a:r>
+              <a:rPr lang="en-US" dirty="0" smtClean="0"/>
+              <a:t>Test set</a:t>
+            </a:r>
+            <a:endParaRPr lang="en-US" dirty="0"/>
+          </a:p>
+        </p:txBody>
+      </p:sp>
+    </p:spTree>
+    <p:extLst>
+      <p:ext uri="{BB962C8B-B14F-4D97-AF65-F5344CB8AC3E}">
+        <p14:creationId xmlns:p14="http://schemas.microsoft.com/office/powerpoint/2010/main" val="2303327583"/>
+      </p:ext>
+    </p:extLst>
+  </p:cSld>
+  <p:clrMapOvr>
+    <a:masterClrMapping/>
+  </p:clrMapOvr>
+</p:sld>
+</file>
+
+<file path=ppt/slides/slide12.xml><?xml version="1.0" encoding="utf-8"?>
+<p:sld xmlns:a="http://schemas.openxmlformats.org/drawingml/2006/main" xmlns:r="http://schemas.openxmlformats.org/officeDocument/2006/relationships" xmlns:p="http://schemas.openxmlformats.org/presentationml/2006/main">
+  <p:cSld>
+    <p:spTree>
+      <p:nvGrpSpPr>
+        <p:cNvPr id="1" name=""/>
+        <p:cNvGrpSpPr/>
+        <p:nvPr/>
+      </p:nvGrpSpPr>
+      <p:grpSpPr>
+        <a:xfrm>
+          <a:off x="0" y="0"/>
+          <a:ext cx="0" cy="0"/>
+          <a:chOff x="0" y="0"/>
+          <a:chExt cx="0" cy="0"/>
+        </a:xfrm>
+      </p:grpSpPr>
+      <p:sp>
+        <p:nvSpPr>
+          <p:cNvPr id="2" name="Content Placeholder 1"/>
+          <p:cNvSpPr>
+            <a:spLocks noGrp="1"/>
+          </p:cNvSpPr>
+          <p:nvPr>
+            <p:ph idx="1"/>
+          </p:nvPr>
+        </p:nvSpPr>
+        <p:spPr>
+          <a:xfrm>
+            <a:off x="576000" y="1656000"/>
+            <a:ext cx="6255874" cy="4464000"/>
+          </a:xfrm>
+        </p:spPr>
+        <p:txBody>
+          <a:bodyPr>
+            <a:normAutofit fontScale="92500"/>
+          </a:bodyPr>
+          <a:lstStyle/>
+          <a:p>
+            <a:pPr marL="0" indent="0">
+              <a:buNone/>
+            </a:pPr>
+            <a:r>
+              <a:rPr lang="en-US" b="1" dirty="0" smtClean="0"/>
+              <a:t>Goal</a:t>
+            </a:r>
+          </a:p>
+          <a:p>
+            <a:r>
+              <a:rPr lang="en-US" dirty="0" smtClean="0"/>
+              <a:t>Find the optimal design and training parameters for the neural network </a:t>
+            </a:r>
+          </a:p>
+          <a:p>
+            <a:pPr marL="0" indent="0">
+              <a:buNone/>
+            </a:pPr>
+            <a:r>
+              <a:rPr lang="en-US" b="1" dirty="0" smtClean="0"/>
+              <a:t>Approach</a:t>
+            </a:r>
+          </a:p>
+          <a:p>
+            <a:r>
+              <a:rPr lang="en-US" dirty="0" smtClean="0"/>
+              <a:t>Train a bunch of models on the same dataset and store the loss (MSE) on the test set for all of them </a:t>
+            </a:r>
+          </a:p>
+          <a:p>
+            <a:pPr>
+              <a:buFont typeface="Wingdings" panose="05000000000000000000" pitchFamily="2" charset="2"/>
+              <a:buChar char="à"/>
+            </a:pPr>
+            <a:r>
+              <a:rPr lang="en-US" dirty="0" smtClean="0">
+                <a:sym typeface="Wingdings" panose="05000000000000000000" pitchFamily="2" charset="2"/>
+              </a:rPr>
+              <a:t>Continue with model that has lowest loss</a:t>
+            </a:r>
+          </a:p>
+          <a:p>
+            <a:pPr marL="0" indent="0">
+              <a:buNone/>
+            </a:pPr>
+            <a:r>
+              <a:rPr lang="en-US" b="1" dirty="0" smtClean="0">
+                <a:sym typeface="Wingdings" panose="05000000000000000000" pitchFamily="2" charset="2"/>
+              </a:rPr>
+              <a:t>Problem</a:t>
+            </a:r>
+          </a:p>
+          <a:p>
+            <a:r>
+              <a:rPr lang="en-US" dirty="0" smtClean="0">
+                <a:sym typeface="Wingdings" panose="05000000000000000000" pitchFamily="2" charset="2"/>
+              </a:rPr>
+              <a:t>There seems to be quite some randomness</a:t>
+            </a:r>
+            <a:endParaRPr lang="en-US" dirty="0" smtClean="0"/>
+          </a:p>
+          <a:p>
+            <a:endParaRPr lang="en-US" dirty="0" smtClean="0"/>
+          </a:p>
+        </p:txBody>
+      </p:sp>
+      <p:sp>
+        <p:nvSpPr>
+          <p:cNvPr id="3" name="Footer Placeholder 2"/>
+          <p:cNvSpPr>
+            <a:spLocks noGrp="1"/>
+          </p:cNvSpPr>
+          <p:nvPr>
+            <p:ph type="ftr" sz="quarter" idx="11"/>
+          </p:nvPr>
+        </p:nvSpPr>
+        <p:spPr/>
+        <p:txBody>
+          <a:bodyPr/>
+          <a:lstStyle/>
+          <a:p>
+            <a:r>
+              <a:rPr lang="nl-NL" smtClean="0"/>
+              <a:t>Ingenieurswetenschappen, Werktuigkunde, TME</a:t>
+            </a:r>
+            <a:endParaRPr lang="nl-NL"/>
+          </a:p>
+        </p:txBody>
+      </p:sp>
+      <p:sp>
+        <p:nvSpPr>
+          <p:cNvPr id="4" name="Slide Number Placeholder 3"/>
+          <p:cNvSpPr>
+            <a:spLocks noGrp="1"/>
+          </p:cNvSpPr>
+          <p:nvPr>
+            <p:ph type="sldNum" sz="quarter" idx="12"/>
+          </p:nvPr>
+        </p:nvSpPr>
+        <p:spPr/>
+        <p:txBody>
+          <a:bodyPr/>
+          <a:lstStyle/>
+          <a:p>
+            <a:fld id="{0A297500-7527-634B-90F4-69D0994C32B4}" type="slidenum">
+              <a:rPr lang="nl-NL" smtClean="0"/>
+              <a:t>12</a:t>
+            </a:fld>
+            <a:endParaRPr lang="nl-NL"/>
+          </a:p>
+        </p:txBody>
+      </p:sp>
+      <p:sp>
+        <p:nvSpPr>
+          <p:cNvPr id="5" name="Title 4"/>
+          <p:cNvSpPr>
+            <a:spLocks noGrp="1"/>
+          </p:cNvSpPr>
+          <p:nvPr>
+            <p:ph type="title"/>
+          </p:nvPr>
+        </p:nvSpPr>
+        <p:spPr>
+          <a:xfrm>
+            <a:off x="576000" y="207036"/>
+            <a:ext cx="7383593" cy="1152000"/>
+          </a:xfrm>
+        </p:spPr>
+        <p:txBody>
+          <a:bodyPr>
+            <a:normAutofit fontScale="90000"/>
+          </a:bodyPr>
+          <a:lstStyle/>
+          <a:p>
+            <a:r>
+              <a:rPr lang="en-US" dirty="0" smtClean="0"/>
+              <a:t>NN estimates: </a:t>
+            </a:r>
+            <a:r>
+              <a:rPr lang="en-US" dirty="0" err="1" smtClean="0"/>
+              <a:t>hyperparameter</a:t>
+            </a:r>
+            <a:r>
+              <a:rPr lang="en-US" dirty="0" smtClean="0"/>
+              <a:t> tuning </a:t>
+            </a:r>
+            <a:endParaRPr lang="en-US" dirty="0"/>
+          </a:p>
+        </p:txBody>
+      </p:sp>
+      <p:pic>
+        <p:nvPicPr>
+          <p:cNvPr id="7" name="Picture 6"/>
+          <p:cNvPicPr>
+            <a:picLocks noChangeAspect="1"/>
+          </p:cNvPicPr>
+          <p:nvPr/>
+        </p:nvPicPr>
+        <p:blipFill>
+          <a:blip r:embed="rId2">
+            <a:extLst>
+              <a:ext uri="{28A0092B-C50C-407E-A947-70E740481C1C}">
+                <a14:useLocalDpi xmlns:a14="http://schemas.microsoft.com/office/drawing/2010/main" val="0"/>
+              </a:ext>
+            </a:extLst>
+          </a:blip>
+          <a:stretch>
+            <a:fillRect/>
+          </a:stretch>
+        </p:blipFill>
+        <p:spPr>
+          <a:xfrm>
+            <a:off x="7602583" y="351675"/>
+            <a:ext cx="4014617" cy="5722560"/>
+          </a:xfrm>
+          <a:prstGeom prst="rect">
+            <a:avLst/>
+          </a:prstGeom>
+        </p:spPr>
+      </p:pic>
+    </p:spTree>
+    <p:extLst>
+      <p:ext uri="{BB962C8B-B14F-4D97-AF65-F5344CB8AC3E}">
+        <p14:creationId xmlns:p14="http://schemas.microsoft.com/office/powerpoint/2010/main" val="171729656"/>
+      </p:ext>
+    </p:extLst>
+  </p:cSld>
+  <p:clrMapOvr>
+    <a:masterClrMapping/>
+  </p:clrMapOvr>
+</p:sld>
+</file>
+
+<file path=ppt/slides/slide13.xml><?xml version="1.0" encoding="utf-8"?>
+<p:sld xmlns:a="http://schemas.openxmlformats.org/drawingml/2006/main" xmlns:r="http://schemas.openxmlformats.org/officeDocument/2006/relationships" xmlns:p="http://schemas.openxmlformats.org/presentationml/2006/main">
+  <p:cSld>
+    <p:spTree>
+      <p:nvGrpSpPr>
+        <p:cNvPr id="1" name=""/>
+        <p:cNvGrpSpPr/>
+        <p:nvPr/>
+      </p:nvGrpSpPr>
+      <p:grpSpPr>
+        <a:xfrm>
+          <a:off x="0" y="0"/>
+          <a:ext cx="0" cy="0"/>
+          <a:chOff x="0" y="0"/>
+          <a:chExt cx="0" cy="0"/>
+        </a:xfrm>
+      </p:grpSpPr>
+      <p:sp>
+        <p:nvSpPr>
+          <p:cNvPr id="2" name="Content Placeholder 1"/>
+          <p:cNvSpPr>
+            <a:spLocks noGrp="1"/>
+          </p:cNvSpPr>
+          <p:nvPr>
+            <p:ph idx="1"/>
+          </p:nvPr>
+        </p:nvSpPr>
+        <p:spPr>
+          <a:xfrm>
+            <a:off x="575999" y="1656000"/>
+            <a:ext cx="5145531" cy="4464000"/>
+          </a:xfrm>
+        </p:spPr>
+        <p:txBody>
+          <a:bodyPr>
+            <a:normAutofit fontScale="92500"/>
+          </a:bodyPr>
+          <a:lstStyle/>
+          <a:p>
+            <a:r>
+              <a:rPr lang="en-US" dirty="0" smtClean="0"/>
+              <a:t>Eventually, line benefits obtained from NN must match actual line benefits </a:t>
+            </a:r>
+          </a:p>
+          <a:p>
+            <a:endParaRPr lang="en-US" dirty="0"/>
+          </a:p>
+          <a:p>
+            <a:r>
+              <a:rPr lang="en-US" dirty="0" smtClean="0"/>
+              <a:t>Differences between costs from different physical networks are quite small </a:t>
+            </a:r>
+            <a:r>
+              <a:rPr lang="en-US" dirty="0" smtClean="0">
+                <a:sym typeface="Wingdings" panose="05000000000000000000" pitchFamily="2" charset="2"/>
+              </a:rPr>
+              <a:t> Predictions must be extremely accurate? </a:t>
+            </a:r>
+          </a:p>
+          <a:p>
+            <a:endParaRPr lang="en-US" dirty="0" smtClean="0">
+              <a:sym typeface="Wingdings" panose="05000000000000000000" pitchFamily="2" charset="2"/>
+            </a:endParaRPr>
+          </a:p>
+          <a:p>
+            <a:r>
+              <a:rPr lang="en-US" dirty="0" smtClean="0">
+                <a:sym typeface="Wingdings" panose="05000000000000000000" pitchFamily="2" charset="2"/>
+              </a:rPr>
+              <a:t>Maybe not, as long as differences are well-reproduced</a:t>
+            </a:r>
+          </a:p>
+          <a:p>
+            <a:pPr marL="0" indent="0">
+              <a:buNone/>
+            </a:pPr>
+            <a:r>
+              <a:rPr lang="en-US" dirty="0" smtClean="0">
+                <a:sym typeface="Wingdings" panose="05000000000000000000" pitchFamily="2" charset="2"/>
+              </a:rPr>
+              <a:t> Estimate line benefits </a:t>
+            </a:r>
+            <a:r>
+              <a:rPr lang="en-US" dirty="0">
+                <a:sym typeface="Wingdings" panose="05000000000000000000" pitchFamily="2" charset="2"/>
+              </a:rPr>
+              <a:t>directly</a:t>
+            </a:r>
+            <a:r>
+              <a:rPr lang="en-US" dirty="0" smtClean="0">
+                <a:sym typeface="Wingdings" panose="05000000000000000000" pitchFamily="2" charset="2"/>
+              </a:rPr>
+              <a:t>? </a:t>
+            </a:r>
+            <a:endParaRPr lang="en-US" dirty="0"/>
+          </a:p>
+        </p:txBody>
+      </p:sp>
+      <p:sp>
+        <p:nvSpPr>
+          <p:cNvPr id="3" name="Footer Placeholder 2"/>
+          <p:cNvSpPr>
+            <a:spLocks noGrp="1"/>
+          </p:cNvSpPr>
+          <p:nvPr>
+            <p:ph type="ftr" sz="quarter" idx="11"/>
+          </p:nvPr>
+        </p:nvSpPr>
+        <p:spPr/>
+        <p:txBody>
+          <a:bodyPr/>
+          <a:lstStyle/>
+          <a:p>
+            <a:r>
+              <a:rPr lang="nl-NL" smtClean="0"/>
+              <a:t>Ingenieurswetenschappen, Werktuigkunde, TME</a:t>
+            </a:r>
+            <a:endParaRPr lang="nl-NL"/>
+          </a:p>
+        </p:txBody>
+      </p:sp>
+      <p:sp>
+        <p:nvSpPr>
+          <p:cNvPr id="4" name="Slide Number Placeholder 3"/>
+          <p:cNvSpPr>
+            <a:spLocks noGrp="1"/>
+          </p:cNvSpPr>
+          <p:nvPr>
+            <p:ph type="sldNum" sz="quarter" idx="12"/>
+          </p:nvPr>
+        </p:nvSpPr>
+        <p:spPr/>
+        <p:txBody>
+          <a:bodyPr/>
+          <a:lstStyle/>
+          <a:p>
+            <a:fld id="{0A297500-7527-634B-90F4-69D0994C32B4}" type="slidenum">
+              <a:rPr lang="nl-NL" smtClean="0"/>
+              <a:t>13</a:t>
+            </a:fld>
+            <a:endParaRPr lang="nl-NL"/>
+          </a:p>
+        </p:txBody>
+      </p:sp>
+      <p:sp>
+        <p:nvSpPr>
+          <p:cNvPr id="5" name="Title 4"/>
+          <p:cNvSpPr>
+            <a:spLocks noGrp="1"/>
+          </p:cNvSpPr>
+          <p:nvPr>
+            <p:ph type="title"/>
+          </p:nvPr>
+        </p:nvSpPr>
+        <p:spPr/>
+        <p:txBody>
+          <a:bodyPr/>
+          <a:lstStyle/>
+          <a:p>
+            <a:r>
+              <a:rPr lang="en-US" dirty="0" smtClean="0"/>
+              <a:t>NN estimates: towards line benefits</a:t>
+            </a:r>
+            <a:endParaRPr lang="en-US" dirty="0"/>
+          </a:p>
+        </p:txBody>
+      </p:sp>
+      <p:pic>
+        <p:nvPicPr>
+          <p:cNvPr id="7" name="Picture 6"/>
+          <p:cNvPicPr>
+            <a:picLocks noChangeAspect="1"/>
+          </p:cNvPicPr>
+          <p:nvPr/>
+        </p:nvPicPr>
+        <p:blipFill rotWithShape="1">
+          <a:blip r:embed="rId2">
+            <a:extLst>
+              <a:ext uri="{28A0092B-C50C-407E-A947-70E740481C1C}">
+                <a14:useLocalDpi xmlns:a14="http://schemas.microsoft.com/office/drawing/2010/main" val="0"/>
+              </a:ext>
+            </a:extLst>
+          </a:blip>
+          <a:srcRect b="7495"/>
+          <a:stretch/>
+        </p:blipFill>
+        <p:spPr>
+          <a:xfrm>
+            <a:off x="5891621" y="1599248"/>
+            <a:ext cx="6038850" cy="3638958"/>
+          </a:xfrm>
+          <a:prstGeom prst="rect">
+            <a:avLst/>
+          </a:prstGeom>
+        </p:spPr>
+      </p:pic>
+    </p:spTree>
+    <p:extLst>
+      <p:ext uri="{BB962C8B-B14F-4D97-AF65-F5344CB8AC3E}">
+        <p14:creationId xmlns:p14="http://schemas.microsoft.com/office/powerpoint/2010/main" val="86440258"/>
+      </p:ext>
+    </p:extLst>
+  </p:cSld>
+  <p:clrMapOvr>
+    <a:masterClrMapping/>
+  </p:clrMapOvr>
+</p:sld>
+</file>
+
+<file path=ppt/slides/slide14.xml><?xml version="1.0" encoding="utf-8"?>
+<p:sld xmlns:a="http://schemas.openxmlformats.org/drawingml/2006/main" xmlns:r="http://schemas.openxmlformats.org/officeDocument/2006/relationships" xmlns:p="http://schemas.openxmlformats.org/presentationml/2006/main">
+  <p:cSld>
+    <p:spTree>
+      <p:nvGrpSpPr>
+        <p:cNvPr id="1" name=""/>
+        <p:cNvGrpSpPr/>
+        <p:nvPr/>
+      </p:nvGrpSpPr>
+      <p:grpSpPr>
+        <a:xfrm>
+          <a:off x="0" y="0"/>
+          <a:ext cx="0" cy="0"/>
+          <a:chOff x="0" y="0"/>
+          <a:chExt cx="0" cy="0"/>
+        </a:xfrm>
+      </p:grpSpPr>
+      <p:sp>
+        <p:nvSpPr>
+          <p:cNvPr id="2" name="Content Placeholder 1"/>
+          <p:cNvSpPr>
+            <a:spLocks noGrp="1"/>
+          </p:cNvSpPr>
+          <p:nvPr>
+            <p:ph idx="1"/>
+          </p:nvPr>
+        </p:nvSpPr>
+        <p:spPr>
+          <a:xfrm>
+            <a:off x="576000" y="1656000"/>
+            <a:ext cx="5328411" cy="4464000"/>
+          </a:xfrm>
+        </p:spPr>
+        <p:txBody>
+          <a:bodyPr/>
+          <a:lstStyle/>
+          <a:p>
+            <a:r>
+              <a:rPr lang="en-US" dirty="0" smtClean="0"/>
+              <a:t>Custom loss function </a:t>
+            </a:r>
+            <a:endParaRPr lang="en-US" dirty="0"/>
+          </a:p>
+        </p:txBody>
+      </p:sp>
+      <p:sp>
+        <p:nvSpPr>
+          <p:cNvPr id="3" name="Footer Placeholder 2"/>
+          <p:cNvSpPr>
+            <a:spLocks noGrp="1"/>
+          </p:cNvSpPr>
+          <p:nvPr>
+            <p:ph type="ftr" sz="quarter" idx="11"/>
+          </p:nvPr>
+        </p:nvSpPr>
+        <p:spPr/>
+        <p:txBody>
+          <a:bodyPr/>
+          <a:lstStyle/>
+          <a:p>
+            <a:r>
+              <a:rPr lang="nl-NL" smtClean="0"/>
+              <a:t>Ingenieurswetenschappen, Werktuigkunde, TME</a:t>
+            </a:r>
+            <a:endParaRPr lang="nl-NL"/>
+          </a:p>
+        </p:txBody>
+      </p:sp>
+      <p:sp>
+        <p:nvSpPr>
+          <p:cNvPr id="4" name="Slide Number Placeholder 3"/>
+          <p:cNvSpPr>
+            <a:spLocks noGrp="1"/>
+          </p:cNvSpPr>
+          <p:nvPr>
+            <p:ph type="sldNum" sz="quarter" idx="12"/>
+          </p:nvPr>
+        </p:nvSpPr>
+        <p:spPr/>
+        <p:txBody>
+          <a:bodyPr/>
+          <a:lstStyle/>
+          <a:p>
+            <a:fld id="{0A297500-7527-634B-90F4-69D0994C32B4}" type="slidenum">
+              <a:rPr lang="nl-NL" smtClean="0"/>
+              <a:t>14</a:t>
+            </a:fld>
+            <a:endParaRPr lang="nl-NL"/>
+          </a:p>
+        </p:txBody>
+      </p:sp>
+      <p:sp>
+        <p:nvSpPr>
+          <p:cNvPr id="5" name="Title 4"/>
+          <p:cNvSpPr>
+            <a:spLocks noGrp="1"/>
+          </p:cNvSpPr>
+          <p:nvPr>
+            <p:ph type="title"/>
+          </p:nvPr>
+        </p:nvSpPr>
+        <p:spPr/>
+        <p:txBody>
+          <a:bodyPr/>
+          <a:lstStyle/>
+          <a:p>
+            <a:r>
+              <a:rPr lang="en-US" dirty="0" smtClean="0"/>
+              <a:t>NN Estimates: negative values</a:t>
+            </a:r>
+            <a:endParaRPr lang="en-US" dirty="0"/>
+          </a:p>
+        </p:txBody>
+      </p:sp>
+    </p:spTree>
+    <p:extLst>
+      <p:ext uri="{BB962C8B-B14F-4D97-AF65-F5344CB8AC3E}">
+        <p14:creationId xmlns:p14="http://schemas.microsoft.com/office/powerpoint/2010/main" val="4104862382"/>
       </p:ext>
     </p:extLst>
   </p:cSld>
@@ -19814,23 +20673,8 @@
               <a:rPr lang="en-US" dirty="0" smtClean="0">
                 <a:sym typeface="Wingdings" panose="05000000000000000000" pitchFamily="2" charset="2"/>
               </a:rPr>
-              <a:t>Size </a:t>
-            </a:r>
-            <a:r>
-              <a:rPr lang="en-US" dirty="0" smtClean="0">
-                <a:sym typeface="Wingdings" panose="05000000000000000000" pitchFamily="2" charset="2"/>
-              </a:rPr>
-              <a:t>of input vector quickly grows with number of </a:t>
-            </a:r>
-            <a:r>
-              <a:rPr lang="en-US" dirty="0" smtClean="0">
-                <a:sym typeface="Wingdings" panose="05000000000000000000" pitchFamily="2" charset="2"/>
-              </a:rPr>
-              <a:t>buses</a:t>
-            </a:r>
-            <a:endParaRPr lang="en-US" dirty="0" smtClean="0">
-              <a:sym typeface="Wingdings" panose="05000000000000000000" pitchFamily="2" charset="2"/>
-            </a:endParaRPr>
+              <a:t>Size of input vector quickly grows with number of buses</a:t>
+            </a:r>
           </a:p>
           <a:p>
             <a:pPr lvl="1"/>
@@ -22588,12 +23432,11 @@
 </file>
 
 <file path=customXml/item1.xml><?xml version="1.0" encoding="utf-8"?>
-<?mso-contentType ?>
-<FormTemplates xmlns="http://schemas.microsoft.com/sharepoint/v3/contenttype/forms">
-  <Display>DocumentLibraryForm</Display>
-  <Edit>DocumentLibraryForm</Edit>
-  <New>DocumentLibraryForm</New>
-</FormTemplates>
+<p:properties xmlns:p="http://schemas.microsoft.com/office/2006/metadata/properties" xmlns:xsi="http://www.w3.org/2001/XMLSchema-instance" xmlns:pc="http://schemas.microsoft.com/office/infopath/2007/PartnerControls">
+  <documentManagement>
+    <_activity xmlns="fd689c1b-2561-4a46-ae04-6449f963ff76" xsi:nil="true"/>
+  </documentManagement>
+</p:properties>
 </file>
 
 <file path=customXml/item2.xml><?xml version="1.0" encoding="utf-8"?>
@@ -22818,17 +23661,27 @@
 </file>
 
 <file path=customXml/item3.xml><?xml version="1.0" encoding="utf-8"?>
-<p:properties xmlns:p="http://schemas.microsoft.com/office/2006/metadata/properties" xmlns:xsi="http://www.w3.org/2001/XMLSchema-instance" xmlns:pc="http://schemas.microsoft.com/office/infopath/2007/PartnerControls">
-  <documentManagement>
-    <_activity xmlns="fd689c1b-2561-4a46-ae04-6449f963ff76" xsi:nil="true"/>
-  </documentManagement>
-</p:properties>
+<?mso-contentType ?>
+<FormTemplates xmlns="http://schemas.microsoft.com/sharepoint/v3/contenttype/forms">
+  <Display>DocumentLibraryForm</Display>
+  <Edit>DocumentLibraryForm</Edit>
+  <New>DocumentLibraryForm</New>
+</FormTemplates>
 </file>
 
 <file path=customXml/itemProps1.xml><?xml version="1.0" encoding="utf-8"?>
-<ds:datastoreItem xmlns:ds="http://schemas.openxmlformats.org/officeDocument/2006/customXml" ds:itemID="{754D1958-5725-488F-A4D5-DA9E8FDB5252}">
+<ds:datastoreItem xmlns:ds="http://schemas.openxmlformats.org/officeDocument/2006/customXml" ds:itemID="{6D3CDF3A-BF48-4B5B-B3E9-7B37F916BE05}">
   <ds:schemaRefs>
-    <ds:schemaRef ds:uri="http://schemas.microsoft.com/sharepoint/v3/contenttype/forms"/>
+    <ds:schemaRef ds:uri="fd689c1b-2561-4a46-ae04-6449f963ff76"/>
+    <ds:schemaRef ds:uri="http://purl.org/dc/terms/"/>
+    <ds:schemaRef ds:uri="http://schemas.microsoft.com/office/2006/documentManagement/types"/>
+    <ds:schemaRef ds:uri="http://purl.org/dc/dcmitype/"/>
+    <ds:schemaRef ds:uri="http://schemas.microsoft.com/office/infopath/2007/PartnerControls"/>
+    <ds:schemaRef ds:uri="http://purl.org/dc/elements/1.1/"/>
+    <ds:schemaRef ds:uri="http://schemas.microsoft.com/office/2006/metadata/properties"/>
+    <ds:schemaRef ds:uri="04677cab-20cd-44d8-974c-14c664890eaa"/>
+    <ds:schemaRef ds:uri="http://schemas.openxmlformats.org/package/2006/metadata/core-properties"/>
+    <ds:schemaRef ds:uri="http://www.w3.org/XML/1998/namespace"/>
   </ds:schemaRefs>
 </ds:datastoreItem>
 </file>
@@ -22853,18 +23706,9 @@
 </file>
 
 <file path=customXml/itemProps3.xml><?xml version="1.0" encoding="utf-8"?>
-<ds:datastoreItem xmlns:ds="http://schemas.openxmlformats.org/officeDocument/2006/customXml" ds:itemID="{6D3CDF3A-BF48-4B5B-B3E9-7B37F916BE05}">
+<ds:datastoreItem xmlns:ds="http://schemas.openxmlformats.org/officeDocument/2006/customXml" ds:itemID="{754D1958-5725-488F-A4D5-DA9E8FDB5252}">
   <ds:schemaRefs>
-    <ds:schemaRef ds:uri="http://purl.org/dc/terms/"/>
-    <ds:schemaRef ds:uri="http://schemas.microsoft.com/office/2006/documentManagement/types"/>
-    <ds:schemaRef ds:uri="http://purl.org/dc/dcmitype/"/>
-    <ds:schemaRef ds:uri="http://schemas.microsoft.com/office/infopath/2007/PartnerControls"/>
-    <ds:schemaRef ds:uri="http://purl.org/dc/elements/1.1/"/>
-    <ds:schemaRef ds:uri="http://schemas.microsoft.com/office/2006/metadata/properties"/>
-    <ds:schemaRef ds:uri="04677cab-20cd-44d8-974c-14c664890eaa"/>
-    <ds:schemaRef ds:uri="fd689c1b-2561-4a46-ae04-6449f963ff76"/>
-    <ds:schemaRef ds:uri="http://schemas.openxmlformats.org/package/2006/metadata/core-properties"/>
-    <ds:schemaRef ds:uri="http://www.w3.org/XML/1998/namespace"/>
+    <ds:schemaRef ds:uri="http://schemas.microsoft.com/sharepoint/v3/contenttype/forms"/>
   </ds:schemaRefs>
 </ds:datastoreItem>
 </file>
--- a/02. Presentations/PresentationGroup_KP.pptx
+++ b/02. Presentations/PresentationGroup_KP.pptx
@@ -6,10 +6,10 @@
     <p:sldMasterId id="2147483694" r:id="rId5"/>
   </p:sldMasterIdLst>
   <p:notesMasterIdLst>
-    <p:notesMasterId r:id="rId20"/>
+    <p:notesMasterId r:id="rId21"/>
   </p:notesMasterIdLst>
   <p:handoutMasterIdLst>
-    <p:handoutMasterId r:id="rId21"/>
+    <p:handoutMasterId r:id="rId22"/>
   </p:handoutMasterIdLst>
   <p:sldIdLst>
     <p:sldId id="269" r:id="rId6"/>
@@ -26,6 +26,7 @@
     <p:sldId id="284" r:id="rId17"/>
     <p:sldId id="285" r:id="rId18"/>
     <p:sldId id="286" r:id="rId19"/>
+    <p:sldId id="287" r:id="rId20"/>
   </p:sldIdLst>
   <p:sldSz cx="12192000" cy="6858000"/>
   <p:notesSz cx="6858000" cy="9144000"/>
@@ -6124,6 +6125,191 @@
     <p:extLst>
       <p:ext uri="{BB962C8B-B14F-4D97-AF65-F5344CB8AC3E}">
         <p14:creationId xmlns:p14="http://schemas.microsoft.com/office/powerpoint/2010/main" val="4104862382"/>
+      </p:ext>
+    </p:extLst>
+  </p:cSld>
+  <p:clrMapOvr>
+    <a:masterClrMapping/>
+  </p:clrMapOvr>
+</p:sld>
+</file>
+
+<file path=ppt/slides/slide15.xml><?xml version="1.0" encoding="utf-8"?>
+<p:sld xmlns:a="http://schemas.openxmlformats.org/drawingml/2006/main" xmlns:r="http://schemas.openxmlformats.org/officeDocument/2006/relationships" xmlns:p="http://schemas.openxmlformats.org/presentationml/2006/main">
+  <p:cSld>
+    <p:spTree>
+      <p:nvGrpSpPr>
+        <p:cNvPr id="1" name=""/>
+        <p:cNvGrpSpPr/>
+        <p:nvPr/>
+      </p:nvGrpSpPr>
+      <p:grpSpPr>
+        <a:xfrm>
+          <a:off x="0" y="0"/>
+          <a:ext cx="0" cy="0"/>
+          <a:chOff x="0" y="0"/>
+          <a:chExt cx="0" cy="0"/>
+        </a:xfrm>
+      </p:grpSpPr>
+      <p:sp>
+        <p:nvSpPr>
+          <p:cNvPr id="2" name="Content Placeholder 1"/>
+          <p:cNvSpPr>
+            <a:spLocks noGrp="1"/>
+          </p:cNvSpPr>
+          <p:nvPr>
+            <p:ph idx="1"/>
+          </p:nvPr>
+        </p:nvSpPr>
+        <p:spPr/>
+        <p:txBody>
+          <a:bodyPr/>
+          <a:lstStyle/>
+          <a:p>
+            <a:r>
+              <a:rPr lang="en-US" dirty="0" smtClean="0"/>
+              <a:t>Consider more complex networks: more hidden layers</a:t>
+            </a:r>
+          </a:p>
+          <a:p>
+            <a:r>
+              <a:rPr lang="en-US" dirty="0" smtClean="0"/>
+              <a:t>Use physics-informed loss function: prevent negative costs (WIP)</a:t>
+            </a:r>
+          </a:p>
+          <a:p>
+            <a:r>
+              <a:rPr lang="en-US" dirty="0" smtClean="0"/>
+              <a:t>Extending </a:t>
+            </a:r>
+            <a:r>
+              <a:rPr lang="en-US" smtClean="0"/>
+              <a:t>or changing </a:t>
+            </a:r>
+            <a:r>
+              <a:rPr lang="en-US" dirty="0" smtClean="0"/>
+              <a:t>the used data: </a:t>
+            </a:r>
+          </a:p>
+          <a:p>
+            <a:pPr lvl="1"/>
+            <a:r>
+              <a:rPr lang="en-US" dirty="0" smtClean="0"/>
+              <a:t>More input hours/line expansions</a:t>
+            </a:r>
+          </a:p>
+          <a:p>
+            <a:pPr lvl="1"/>
+            <a:r>
+              <a:rPr lang="en-US" dirty="0" smtClean="0"/>
+              <a:t>Consider other outputs than operational costs</a:t>
+            </a:r>
+          </a:p>
+          <a:p>
+            <a:pPr lvl="2"/>
+            <a:r>
+              <a:rPr lang="en-US" dirty="0" smtClean="0"/>
+              <a:t>Line utilization </a:t>
+            </a:r>
+          </a:p>
+          <a:p>
+            <a:pPr lvl="2"/>
+            <a:r>
+              <a:rPr lang="en-US" dirty="0" smtClean="0"/>
+              <a:t>Marginal costs</a:t>
+            </a:r>
+          </a:p>
+          <a:p>
+            <a:r>
+              <a:rPr lang="en-US" dirty="0"/>
+              <a:t>Estimate line benefits directly instead of operational </a:t>
+            </a:r>
+            <a:r>
+              <a:rPr lang="en-US" dirty="0" smtClean="0"/>
+              <a:t>costs</a:t>
+            </a:r>
+          </a:p>
+          <a:p>
+            <a:endParaRPr lang="en-US" dirty="0"/>
+          </a:p>
+          <a:p>
+            <a:endParaRPr lang="en-US" dirty="0"/>
+          </a:p>
+        </p:txBody>
+      </p:sp>
+      <p:sp>
+        <p:nvSpPr>
+          <p:cNvPr id="3" name="Footer Placeholder 2"/>
+          <p:cNvSpPr>
+            <a:spLocks noGrp="1"/>
+          </p:cNvSpPr>
+          <p:nvPr>
+            <p:ph type="ftr" sz="quarter" idx="11"/>
+          </p:nvPr>
+        </p:nvSpPr>
+        <p:spPr/>
+        <p:txBody>
+          <a:bodyPr/>
+          <a:lstStyle/>
+          <a:p>
+            <a:r>
+              <a:rPr lang="nl-NL" smtClean="0"/>
+              <a:t>Ingenieurswetenschappen, Werktuigkunde, TME</a:t>
+            </a:r>
+            <a:endParaRPr lang="nl-NL"/>
+          </a:p>
+        </p:txBody>
+      </p:sp>
+      <p:sp>
+        <p:nvSpPr>
+          <p:cNvPr id="4" name="Slide Number Placeholder 3"/>
+          <p:cNvSpPr>
+            <a:spLocks noGrp="1"/>
+          </p:cNvSpPr>
+          <p:nvPr>
+            <p:ph type="sldNum" sz="quarter" idx="12"/>
+          </p:nvPr>
+        </p:nvSpPr>
+        <p:spPr/>
+        <p:txBody>
+          <a:bodyPr/>
+          <a:lstStyle/>
+          <a:p>
+            <a:fld id="{0A297500-7527-634B-90F4-69D0994C32B4}" type="slidenum">
+              <a:rPr lang="nl-NL" smtClean="0"/>
+              <a:t>15</a:t>
+            </a:fld>
+            <a:endParaRPr lang="nl-NL"/>
+          </a:p>
+        </p:txBody>
+      </p:sp>
+      <p:sp>
+        <p:nvSpPr>
+          <p:cNvPr id="5" name="Title 4"/>
+          <p:cNvSpPr>
+            <a:spLocks noGrp="1"/>
+          </p:cNvSpPr>
+          <p:nvPr>
+            <p:ph type="title"/>
+          </p:nvPr>
+        </p:nvSpPr>
+        <p:spPr/>
+        <p:txBody>
+          <a:bodyPr/>
+          <a:lstStyle/>
+          <a:p>
+            <a:r>
+              <a:rPr lang="en-US" dirty="0" smtClean="0"/>
+              <a:t>Future tasks</a:t>
+            </a:r>
+            <a:endParaRPr lang="en-US" dirty="0"/>
+          </a:p>
+        </p:txBody>
+      </p:sp>
+    </p:spTree>
+    <p:extLst>
+      <p:ext uri="{BB962C8B-B14F-4D97-AF65-F5344CB8AC3E}">
+        <p14:creationId xmlns:p14="http://schemas.microsoft.com/office/powerpoint/2010/main" val="2715878078"/>
       </p:ext>
     </p:extLst>
   </p:cSld>
